--- a/Document/연결배선도_Faduino.pptx
+++ b/Document/연결배선도_Faduino.pptx
@@ -6,6 +6,7 @@
   </p:sldMasterIdLst>
   <p:sldIdLst>
     <p:sldId id="256" r:id="rId2"/>
+    <p:sldId id="257" r:id="rId3"/>
   </p:sldIdLst>
   <p:sldSz cx="12192000" cy="6858000"/>
   <p:notesSz cx="6858000" cy="9144000"/>
@@ -259,7 +260,7 @@
           <a:p>
             <a:fld id="{E810BF6B-507A-49C5-9081-1D86CE5BBA9E}" type="datetimeFigureOut">
               <a:rPr lang="ko-KR" altLang="en-US" smtClean="0"/>
-              <a:t>2024-04-10</a:t>
+              <a:t>2024-04-13</a:t>
             </a:fld>
             <a:endParaRPr lang="ko-KR" altLang="en-US"/>
           </a:p>
@@ -457,7 +458,7 @@
           <a:p>
             <a:fld id="{E810BF6B-507A-49C5-9081-1D86CE5BBA9E}" type="datetimeFigureOut">
               <a:rPr lang="ko-KR" altLang="en-US" smtClean="0"/>
-              <a:t>2024-04-10</a:t>
+              <a:t>2024-04-13</a:t>
             </a:fld>
             <a:endParaRPr lang="ko-KR" altLang="en-US"/>
           </a:p>
@@ -665,7 +666,7 @@
           <a:p>
             <a:fld id="{E810BF6B-507A-49C5-9081-1D86CE5BBA9E}" type="datetimeFigureOut">
               <a:rPr lang="ko-KR" altLang="en-US" smtClean="0"/>
-              <a:t>2024-04-10</a:t>
+              <a:t>2024-04-13</a:t>
             </a:fld>
             <a:endParaRPr lang="ko-KR" altLang="en-US"/>
           </a:p>
@@ -863,7 +864,7 @@
           <a:p>
             <a:fld id="{E810BF6B-507A-49C5-9081-1D86CE5BBA9E}" type="datetimeFigureOut">
               <a:rPr lang="ko-KR" altLang="en-US" smtClean="0"/>
-              <a:t>2024-04-10</a:t>
+              <a:t>2024-04-13</a:t>
             </a:fld>
             <a:endParaRPr lang="ko-KR" altLang="en-US"/>
           </a:p>
@@ -1138,7 +1139,7 @@
           <a:p>
             <a:fld id="{E810BF6B-507A-49C5-9081-1D86CE5BBA9E}" type="datetimeFigureOut">
               <a:rPr lang="ko-KR" altLang="en-US" smtClean="0"/>
-              <a:t>2024-04-10</a:t>
+              <a:t>2024-04-13</a:t>
             </a:fld>
             <a:endParaRPr lang="ko-KR" altLang="en-US"/>
           </a:p>
@@ -1403,7 +1404,7 @@
           <a:p>
             <a:fld id="{E810BF6B-507A-49C5-9081-1D86CE5BBA9E}" type="datetimeFigureOut">
               <a:rPr lang="ko-KR" altLang="en-US" smtClean="0"/>
-              <a:t>2024-04-10</a:t>
+              <a:t>2024-04-13</a:t>
             </a:fld>
             <a:endParaRPr lang="ko-KR" altLang="en-US"/>
           </a:p>
@@ -1815,7 +1816,7 @@
           <a:p>
             <a:fld id="{E810BF6B-507A-49C5-9081-1D86CE5BBA9E}" type="datetimeFigureOut">
               <a:rPr lang="ko-KR" altLang="en-US" smtClean="0"/>
-              <a:t>2024-04-10</a:t>
+              <a:t>2024-04-13</a:t>
             </a:fld>
             <a:endParaRPr lang="ko-KR" altLang="en-US"/>
           </a:p>
@@ -1956,7 +1957,7 @@
           <a:p>
             <a:fld id="{E810BF6B-507A-49C5-9081-1D86CE5BBA9E}" type="datetimeFigureOut">
               <a:rPr lang="ko-KR" altLang="en-US" smtClean="0"/>
-              <a:t>2024-04-10</a:t>
+              <a:t>2024-04-13</a:t>
             </a:fld>
             <a:endParaRPr lang="ko-KR" altLang="en-US"/>
           </a:p>
@@ -2069,7 +2070,7 @@
           <a:p>
             <a:fld id="{E810BF6B-507A-49C5-9081-1D86CE5BBA9E}" type="datetimeFigureOut">
               <a:rPr lang="ko-KR" altLang="en-US" smtClean="0"/>
-              <a:t>2024-04-10</a:t>
+              <a:t>2024-04-13</a:t>
             </a:fld>
             <a:endParaRPr lang="ko-KR" altLang="en-US"/>
           </a:p>
@@ -2380,7 +2381,7 @@
           <a:p>
             <a:fld id="{E810BF6B-507A-49C5-9081-1D86CE5BBA9E}" type="datetimeFigureOut">
               <a:rPr lang="ko-KR" altLang="en-US" smtClean="0"/>
-              <a:t>2024-04-10</a:t>
+              <a:t>2024-04-13</a:t>
             </a:fld>
             <a:endParaRPr lang="ko-KR" altLang="en-US"/>
           </a:p>
@@ -2668,7 +2669,7 @@
           <a:p>
             <a:fld id="{E810BF6B-507A-49C5-9081-1D86CE5BBA9E}" type="datetimeFigureOut">
               <a:rPr lang="ko-KR" altLang="en-US" smtClean="0"/>
-              <a:t>2024-04-10</a:t>
+              <a:t>2024-04-13</a:t>
             </a:fld>
             <a:endParaRPr lang="ko-KR" altLang="en-US"/>
           </a:p>
@@ -2909,7 +2910,7 @@
           <a:p>
             <a:fld id="{E810BF6B-507A-49C5-9081-1D86CE5BBA9E}" type="datetimeFigureOut">
               <a:rPr lang="ko-KR" altLang="en-US" smtClean="0"/>
-              <a:t>2024-04-10</a:t>
+              <a:t>2024-04-13</a:t>
             </a:fld>
             <a:endParaRPr lang="ko-KR" altLang="en-US"/>
           </a:p>
@@ -16500,6 +16501,4803 @@
 </p:sld>
 </file>
 
+<file path=ppt/slides/slide2.xml><?xml version="1.0" encoding="utf-8"?>
+<p:sld xmlns:a="http://schemas.openxmlformats.org/drawingml/2006/main" xmlns:r="http://schemas.openxmlformats.org/officeDocument/2006/relationships" xmlns:p="http://schemas.openxmlformats.org/presentationml/2006/main">
+  <p:cSld>
+    <p:spTree>
+      <p:nvGrpSpPr>
+        <p:cNvPr id="1" name=""/>
+        <p:cNvGrpSpPr/>
+        <p:nvPr/>
+      </p:nvGrpSpPr>
+      <p:grpSpPr>
+        <a:xfrm>
+          <a:off x="0" y="0"/>
+          <a:ext cx="0" cy="0"/>
+          <a:chOff x="0" y="0"/>
+          <a:chExt cx="0" cy="0"/>
+        </a:xfrm>
+      </p:grpSpPr>
+      <p:grpSp>
+        <p:nvGrpSpPr>
+          <p:cNvPr id="1143" name="그룹 1142">
+            <a:extLst>
+              <a:ext uri="{FF2B5EF4-FFF2-40B4-BE49-F238E27FC236}">
+                <a16:creationId xmlns:a16="http://schemas.microsoft.com/office/drawing/2014/main" id="{29EFB638-EE92-7D9E-D17A-7FABE29D03E3}"/>
+              </a:ext>
+            </a:extLst>
+          </p:cNvPr>
+          <p:cNvGrpSpPr/>
+          <p:nvPr/>
+        </p:nvGrpSpPr>
+        <p:grpSpPr>
+          <a:xfrm>
+            <a:off x="5600786" y="1102473"/>
+            <a:ext cx="860267" cy="1244822"/>
+            <a:chOff x="5600786" y="1102473"/>
+            <a:chExt cx="860267" cy="1244822"/>
+          </a:xfrm>
+        </p:grpSpPr>
+        <p:grpSp>
+          <p:nvGrpSpPr>
+            <p:cNvPr id="50" name="그룹 49">
+              <a:extLst>
+                <a:ext uri="{FF2B5EF4-FFF2-40B4-BE49-F238E27FC236}">
+                  <a16:creationId xmlns:a16="http://schemas.microsoft.com/office/drawing/2014/main" id="{963C6393-5DDE-E9DD-D2F8-BB2531E8668A}"/>
+                </a:ext>
+              </a:extLst>
+            </p:cNvPr>
+            <p:cNvGrpSpPr/>
+            <p:nvPr/>
+          </p:nvGrpSpPr>
+          <p:grpSpPr>
+            <a:xfrm>
+              <a:off x="5600786" y="1102473"/>
+              <a:ext cx="860267" cy="1244822"/>
+              <a:chOff x="5323502" y="555723"/>
+              <a:chExt cx="860267" cy="1244822"/>
+            </a:xfrm>
+          </p:grpSpPr>
+          <p:pic>
+            <p:nvPicPr>
+              <p:cNvPr id="1026" name="Picture 2" descr="Amazon.com: DORHEA 10Pcs TCA9548A I2C IIC Multiplexer Breakout Board Module  8 Channel Expansion Development Board : Electronics">
+                <a:extLst>
+                  <a:ext uri="{FF2B5EF4-FFF2-40B4-BE49-F238E27FC236}">
+                    <a16:creationId xmlns:a16="http://schemas.microsoft.com/office/drawing/2014/main" id="{5BFEFFF6-886C-F477-FA91-07B246ABF000}"/>
+                  </a:ext>
+                </a:extLst>
+              </p:cNvPr>
+              <p:cNvPicPr>
+                <a:picLocks noChangeAspect="1" noChangeArrowheads="1"/>
+              </p:cNvPicPr>
+              <p:nvPr/>
+            </p:nvPicPr>
+            <p:blipFill rotWithShape="1">
+              <a:blip r:embed="rId2">
+                <a:extLst>
+                  <a:ext uri="{28A0092B-C50C-407E-A947-70E740481C1C}">
+                    <a14:useLocalDpi xmlns:a14="http://schemas.microsoft.com/office/drawing/2010/main" val="0"/>
+                  </a:ext>
+                </a:extLst>
+              </a:blip>
+              <a:srcRect r="38093" b="10674"/>
+              <a:stretch/>
+            </p:blipFill>
+            <p:spPr bwMode="auto">
+              <a:xfrm>
+                <a:off x="5323502" y="555723"/>
+                <a:ext cx="860267" cy="1244822"/>
+              </a:xfrm>
+              <a:prstGeom prst="rect">
+                <a:avLst/>
+              </a:prstGeom>
+              <a:noFill/>
+              <a:extLst>
+                <a:ext uri="{909E8E84-426E-40DD-AFC4-6F175D3DCCD1}">
+                  <a14:hiddenFill xmlns:a14="http://schemas.microsoft.com/office/drawing/2010/main">
+                    <a:solidFill>
+                      <a:srgbClr val="FFFFFF"/>
+                    </a:solidFill>
+                  </a14:hiddenFill>
+                </a:ext>
+              </a:extLst>
+            </p:spPr>
+          </p:pic>
+          <p:sp>
+            <p:nvSpPr>
+              <p:cNvPr id="38" name="타원 37">
+                <a:extLst>
+                  <a:ext uri="{FF2B5EF4-FFF2-40B4-BE49-F238E27FC236}">
+                    <a16:creationId xmlns:a16="http://schemas.microsoft.com/office/drawing/2014/main" id="{1F8EAAC6-D1AF-543C-C6D4-EF02B2433331}"/>
+                  </a:ext>
+                </a:extLst>
+              </p:cNvPr>
+              <p:cNvSpPr/>
+              <p:nvPr/>
+            </p:nvSpPr>
+            <p:spPr>
+              <a:xfrm>
+                <a:off x="5367793" y="1403774"/>
+                <a:ext cx="61097" cy="61097"/>
+              </a:xfrm>
+              <a:prstGeom prst="ellipse">
+                <a:avLst/>
+              </a:prstGeom>
+              <a:solidFill>
+                <a:srgbClr val="00B050"/>
+              </a:solidFill>
+            </p:spPr>
+            <p:style>
+              <a:lnRef idx="2">
+                <a:schemeClr val="accent1">
+                  <a:shade val="15000"/>
+                </a:schemeClr>
+              </a:lnRef>
+              <a:fillRef idx="1">
+                <a:schemeClr val="accent1"/>
+              </a:fillRef>
+              <a:effectRef idx="0">
+                <a:schemeClr val="accent1"/>
+              </a:effectRef>
+              <a:fontRef idx="minor">
+                <a:schemeClr val="lt1"/>
+              </a:fontRef>
+            </p:style>
+            <p:txBody>
+              <a:bodyPr rtlCol="0" anchor="ctr"/>
+              <a:lstStyle/>
+              <a:p>
+                <a:pPr algn="ctr"/>
+                <a:endParaRPr lang="ko-KR" altLang="en-US"/>
+              </a:p>
+            </p:txBody>
+          </p:sp>
+          <p:sp>
+            <p:nvSpPr>
+              <p:cNvPr id="39" name="타원 38">
+                <a:extLst>
+                  <a:ext uri="{FF2B5EF4-FFF2-40B4-BE49-F238E27FC236}">
+                    <a16:creationId xmlns:a16="http://schemas.microsoft.com/office/drawing/2014/main" id="{FBB0CE42-FC96-6695-B384-DA0FC4F84314}"/>
+                  </a:ext>
+                </a:extLst>
+              </p:cNvPr>
+              <p:cNvSpPr/>
+              <p:nvPr/>
+            </p:nvSpPr>
+            <p:spPr>
+              <a:xfrm>
+                <a:off x="5367793" y="1500521"/>
+                <a:ext cx="61097" cy="61097"/>
+              </a:xfrm>
+              <a:prstGeom prst="ellipse">
+                <a:avLst/>
+              </a:prstGeom>
+              <a:solidFill>
+                <a:srgbClr val="FFC000"/>
+              </a:solidFill>
+            </p:spPr>
+            <p:style>
+              <a:lnRef idx="2">
+                <a:schemeClr val="accent1">
+                  <a:shade val="15000"/>
+                </a:schemeClr>
+              </a:lnRef>
+              <a:fillRef idx="1">
+                <a:schemeClr val="accent1"/>
+              </a:fillRef>
+              <a:effectRef idx="0">
+                <a:schemeClr val="accent1"/>
+              </a:effectRef>
+              <a:fontRef idx="minor">
+                <a:schemeClr val="lt1"/>
+              </a:fontRef>
+            </p:style>
+            <p:txBody>
+              <a:bodyPr rtlCol="0" anchor="ctr"/>
+              <a:lstStyle/>
+              <a:p>
+                <a:pPr algn="ctr"/>
+                <a:endParaRPr lang="ko-KR" altLang="en-US"/>
+              </a:p>
+            </p:txBody>
+          </p:sp>
+          <p:sp>
+            <p:nvSpPr>
+              <p:cNvPr id="40" name="타원 39">
+                <a:extLst>
+                  <a:ext uri="{FF2B5EF4-FFF2-40B4-BE49-F238E27FC236}">
+                    <a16:creationId xmlns:a16="http://schemas.microsoft.com/office/drawing/2014/main" id="{98C3E2C3-B70C-B9A8-C9F5-E01B439FA88A}"/>
+                  </a:ext>
+                </a:extLst>
+              </p:cNvPr>
+              <p:cNvSpPr/>
+              <p:nvPr/>
+            </p:nvSpPr>
+            <p:spPr>
+              <a:xfrm>
+                <a:off x="5367793" y="1600443"/>
+                <a:ext cx="61097" cy="61097"/>
+              </a:xfrm>
+              <a:prstGeom prst="ellipse">
+                <a:avLst/>
+              </a:prstGeom>
+              <a:solidFill>
+                <a:srgbClr val="00B050"/>
+              </a:solidFill>
+            </p:spPr>
+            <p:style>
+              <a:lnRef idx="2">
+                <a:schemeClr val="accent1">
+                  <a:shade val="15000"/>
+                </a:schemeClr>
+              </a:lnRef>
+              <a:fillRef idx="1">
+                <a:schemeClr val="accent1"/>
+              </a:fillRef>
+              <a:effectRef idx="0">
+                <a:schemeClr val="accent1"/>
+              </a:effectRef>
+              <a:fontRef idx="minor">
+                <a:schemeClr val="lt1"/>
+              </a:fontRef>
+            </p:style>
+            <p:txBody>
+              <a:bodyPr rtlCol="0" anchor="ctr"/>
+              <a:lstStyle/>
+              <a:p>
+                <a:pPr algn="ctr"/>
+                <a:endParaRPr lang="ko-KR" altLang="en-US"/>
+              </a:p>
+            </p:txBody>
+          </p:sp>
+          <p:sp>
+            <p:nvSpPr>
+              <p:cNvPr id="41" name="타원 40">
+                <a:extLst>
+                  <a:ext uri="{FF2B5EF4-FFF2-40B4-BE49-F238E27FC236}">
+                    <a16:creationId xmlns:a16="http://schemas.microsoft.com/office/drawing/2014/main" id="{1F9B0052-DE34-F376-2488-7321FB439AD1}"/>
+                  </a:ext>
+                </a:extLst>
+              </p:cNvPr>
+              <p:cNvSpPr/>
+              <p:nvPr/>
+            </p:nvSpPr>
+            <p:spPr>
+              <a:xfrm>
+                <a:off x="5367793" y="1697190"/>
+                <a:ext cx="61097" cy="61097"/>
+              </a:xfrm>
+              <a:prstGeom prst="ellipse">
+                <a:avLst/>
+              </a:prstGeom>
+              <a:solidFill>
+                <a:srgbClr val="FFC000"/>
+              </a:solidFill>
+            </p:spPr>
+            <p:style>
+              <a:lnRef idx="2">
+                <a:schemeClr val="accent1">
+                  <a:shade val="15000"/>
+                </a:schemeClr>
+              </a:lnRef>
+              <a:fillRef idx="1">
+                <a:schemeClr val="accent1"/>
+              </a:fillRef>
+              <a:effectRef idx="0">
+                <a:schemeClr val="accent1"/>
+              </a:effectRef>
+              <a:fontRef idx="minor">
+                <a:schemeClr val="lt1"/>
+              </a:fontRef>
+            </p:style>
+            <p:txBody>
+              <a:bodyPr rtlCol="0" anchor="ctr"/>
+              <a:lstStyle/>
+              <a:p>
+                <a:pPr algn="ctr"/>
+                <a:endParaRPr lang="ko-KR" altLang="en-US"/>
+              </a:p>
+            </p:txBody>
+          </p:sp>
+          <p:sp>
+            <p:nvSpPr>
+              <p:cNvPr id="42" name="타원 41">
+                <a:extLst>
+                  <a:ext uri="{FF2B5EF4-FFF2-40B4-BE49-F238E27FC236}">
+                    <a16:creationId xmlns:a16="http://schemas.microsoft.com/office/drawing/2014/main" id="{77DBA19C-EB03-A0E5-FB70-7A7A01759A02}"/>
+                  </a:ext>
+                </a:extLst>
+              </p:cNvPr>
+              <p:cNvSpPr/>
+              <p:nvPr/>
+            </p:nvSpPr>
+            <p:spPr>
+              <a:xfrm>
+                <a:off x="6086475" y="1307027"/>
+                <a:ext cx="61097" cy="61097"/>
+              </a:xfrm>
+              <a:prstGeom prst="ellipse">
+                <a:avLst/>
+              </a:prstGeom>
+              <a:solidFill>
+                <a:srgbClr val="00B050"/>
+              </a:solidFill>
+            </p:spPr>
+            <p:style>
+              <a:lnRef idx="2">
+                <a:schemeClr val="accent1">
+                  <a:shade val="15000"/>
+                </a:schemeClr>
+              </a:lnRef>
+              <a:fillRef idx="1">
+                <a:schemeClr val="accent1"/>
+              </a:fillRef>
+              <a:effectRef idx="0">
+                <a:schemeClr val="accent1"/>
+              </a:effectRef>
+              <a:fontRef idx="minor">
+                <a:schemeClr val="lt1"/>
+              </a:fontRef>
+            </p:style>
+            <p:txBody>
+              <a:bodyPr rtlCol="0" anchor="ctr"/>
+              <a:lstStyle/>
+              <a:p>
+                <a:pPr algn="ctr"/>
+                <a:endParaRPr lang="ko-KR" altLang="en-US"/>
+              </a:p>
+            </p:txBody>
+          </p:sp>
+          <p:sp>
+            <p:nvSpPr>
+              <p:cNvPr id="43" name="타원 42">
+                <a:extLst>
+                  <a:ext uri="{FF2B5EF4-FFF2-40B4-BE49-F238E27FC236}">
+                    <a16:creationId xmlns:a16="http://schemas.microsoft.com/office/drawing/2014/main" id="{1565DA55-15A5-85CE-3BF2-02F6392409F9}"/>
+                  </a:ext>
+                </a:extLst>
+              </p:cNvPr>
+              <p:cNvSpPr/>
+              <p:nvPr/>
+            </p:nvSpPr>
+            <p:spPr>
+              <a:xfrm>
+                <a:off x="6086475" y="1403774"/>
+                <a:ext cx="61097" cy="61097"/>
+              </a:xfrm>
+              <a:prstGeom prst="ellipse">
+                <a:avLst/>
+              </a:prstGeom>
+              <a:solidFill>
+                <a:srgbClr val="FFC000"/>
+              </a:solidFill>
+            </p:spPr>
+            <p:style>
+              <a:lnRef idx="2">
+                <a:schemeClr val="accent1">
+                  <a:shade val="15000"/>
+                </a:schemeClr>
+              </a:lnRef>
+              <a:fillRef idx="1">
+                <a:schemeClr val="accent1"/>
+              </a:fillRef>
+              <a:effectRef idx="0">
+                <a:schemeClr val="accent1"/>
+              </a:effectRef>
+              <a:fontRef idx="minor">
+                <a:schemeClr val="lt1"/>
+              </a:fontRef>
+            </p:style>
+            <p:txBody>
+              <a:bodyPr rtlCol="0" anchor="ctr"/>
+              <a:lstStyle/>
+              <a:p>
+                <a:pPr algn="ctr"/>
+                <a:endParaRPr lang="ko-KR" altLang="en-US"/>
+              </a:p>
+            </p:txBody>
+          </p:sp>
+          <p:sp>
+            <p:nvSpPr>
+              <p:cNvPr id="44" name="타원 43">
+                <a:extLst>
+                  <a:ext uri="{FF2B5EF4-FFF2-40B4-BE49-F238E27FC236}">
+                    <a16:creationId xmlns:a16="http://schemas.microsoft.com/office/drawing/2014/main" id="{F6A53FAA-50D3-DB33-A777-D638BA7CA83E}"/>
+                  </a:ext>
+                </a:extLst>
+              </p:cNvPr>
+              <p:cNvSpPr/>
+              <p:nvPr/>
+            </p:nvSpPr>
+            <p:spPr>
+              <a:xfrm>
+                <a:off x="6086475" y="1503696"/>
+                <a:ext cx="61097" cy="61097"/>
+              </a:xfrm>
+              <a:prstGeom prst="ellipse">
+                <a:avLst/>
+              </a:prstGeom>
+              <a:solidFill>
+                <a:srgbClr val="00B050"/>
+              </a:solidFill>
+            </p:spPr>
+            <p:style>
+              <a:lnRef idx="2">
+                <a:schemeClr val="accent1">
+                  <a:shade val="15000"/>
+                </a:schemeClr>
+              </a:lnRef>
+              <a:fillRef idx="1">
+                <a:schemeClr val="accent1"/>
+              </a:fillRef>
+              <a:effectRef idx="0">
+                <a:schemeClr val="accent1"/>
+              </a:effectRef>
+              <a:fontRef idx="minor">
+                <a:schemeClr val="lt1"/>
+              </a:fontRef>
+            </p:style>
+            <p:txBody>
+              <a:bodyPr rtlCol="0" anchor="ctr"/>
+              <a:lstStyle/>
+              <a:p>
+                <a:pPr algn="ctr"/>
+                <a:endParaRPr lang="ko-KR" altLang="en-US"/>
+              </a:p>
+            </p:txBody>
+          </p:sp>
+          <p:sp>
+            <p:nvSpPr>
+              <p:cNvPr id="45" name="타원 44">
+                <a:extLst>
+                  <a:ext uri="{FF2B5EF4-FFF2-40B4-BE49-F238E27FC236}">
+                    <a16:creationId xmlns:a16="http://schemas.microsoft.com/office/drawing/2014/main" id="{88366100-8704-C6CA-B37E-374E91990000}"/>
+                  </a:ext>
+                </a:extLst>
+              </p:cNvPr>
+              <p:cNvSpPr/>
+              <p:nvPr/>
+            </p:nvSpPr>
+            <p:spPr>
+              <a:xfrm>
+                <a:off x="6086475" y="1600443"/>
+                <a:ext cx="61097" cy="61097"/>
+              </a:xfrm>
+              <a:prstGeom prst="ellipse">
+                <a:avLst/>
+              </a:prstGeom>
+              <a:solidFill>
+                <a:srgbClr val="FFC000"/>
+              </a:solidFill>
+            </p:spPr>
+            <p:style>
+              <a:lnRef idx="2">
+                <a:schemeClr val="accent1">
+                  <a:shade val="15000"/>
+                </a:schemeClr>
+              </a:lnRef>
+              <a:fillRef idx="1">
+                <a:schemeClr val="accent1"/>
+              </a:fillRef>
+              <a:effectRef idx="0">
+                <a:schemeClr val="accent1"/>
+              </a:effectRef>
+              <a:fontRef idx="minor">
+                <a:schemeClr val="lt1"/>
+              </a:fontRef>
+            </p:style>
+            <p:txBody>
+              <a:bodyPr rtlCol="0" anchor="ctr"/>
+              <a:lstStyle/>
+              <a:p>
+                <a:pPr algn="ctr"/>
+                <a:endParaRPr lang="ko-KR" altLang="en-US"/>
+              </a:p>
+            </p:txBody>
+          </p:sp>
+          <p:sp>
+            <p:nvSpPr>
+              <p:cNvPr id="46" name="타원 45">
+                <a:extLst>
+                  <a:ext uri="{FF2B5EF4-FFF2-40B4-BE49-F238E27FC236}">
+                    <a16:creationId xmlns:a16="http://schemas.microsoft.com/office/drawing/2014/main" id="{EF1E57D6-612F-6119-47E1-8A29BF058308}"/>
+                  </a:ext>
+                </a:extLst>
+              </p:cNvPr>
+              <p:cNvSpPr/>
+              <p:nvPr/>
+            </p:nvSpPr>
+            <p:spPr>
+              <a:xfrm>
+                <a:off x="6086475" y="1697189"/>
+                <a:ext cx="61097" cy="61097"/>
+              </a:xfrm>
+              <a:prstGeom prst="ellipse">
+                <a:avLst/>
+              </a:prstGeom>
+              <a:solidFill>
+                <a:srgbClr val="00B050"/>
+              </a:solidFill>
+            </p:spPr>
+            <p:style>
+              <a:lnRef idx="2">
+                <a:schemeClr val="accent1">
+                  <a:shade val="15000"/>
+                </a:schemeClr>
+              </a:lnRef>
+              <a:fillRef idx="1">
+                <a:schemeClr val="accent1"/>
+              </a:fillRef>
+              <a:effectRef idx="0">
+                <a:schemeClr val="accent1"/>
+              </a:effectRef>
+              <a:fontRef idx="minor">
+                <a:schemeClr val="lt1"/>
+              </a:fontRef>
+            </p:style>
+            <p:txBody>
+              <a:bodyPr rtlCol="0" anchor="ctr"/>
+              <a:lstStyle/>
+              <a:p>
+                <a:pPr algn="ctr"/>
+                <a:endParaRPr lang="ko-KR" altLang="en-US"/>
+              </a:p>
+            </p:txBody>
+          </p:sp>
+          <p:sp>
+            <p:nvSpPr>
+              <p:cNvPr id="47" name="타원 46">
+                <a:extLst>
+                  <a:ext uri="{FF2B5EF4-FFF2-40B4-BE49-F238E27FC236}">
+                    <a16:creationId xmlns:a16="http://schemas.microsoft.com/office/drawing/2014/main" id="{671A896E-F33F-1F28-D996-C95938C29149}"/>
+                  </a:ext>
+                </a:extLst>
+              </p:cNvPr>
+              <p:cNvSpPr/>
+              <p:nvPr/>
+            </p:nvSpPr>
+            <p:spPr>
+              <a:xfrm>
+                <a:off x="6086474" y="1203671"/>
+                <a:ext cx="61097" cy="61097"/>
+              </a:xfrm>
+              <a:prstGeom prst="ellipse">
+                <a:avLst/>
+              </a:prstGeom>
+              <a:solidFill>
+                <a:srgbClr val="FFC000"/>
+              </a:solidFill>
+            </p:spPr>
+            <p:style>
+              <a:lnRef idx="2">
+                <a:schemeClr val="accent1">
+                  <a:shade val="15000"/>
+                </a:schemeClr>
+              </a:lnRef>
+              <a:fillRef idx="1">
+                <a:schemeClr val="accent1"/>
+              </a:fillRef>
+              <a:effectRef idx="0">
+                <a:schemeClr val="accent1"/>
+              </a:effectRef>
+              <a:fontRef idx="minor">
+                <a:schemeClr val="lt1"/>
+              </a:fontRef>
+            </p:style>
+            <p:txBody>
+              <a:bodyPr rtlCol="0" anchor="ctr"/>
+              <a:lstStyle/>
+              <a:p>
+                <a:pPr algn="ctr"/>
+                <a:endParaRPr lang="ko-KR" altLang="en-US"/>
+              </a:p>
+            </p:txBody>
+          </p:sp>
+          <p:sp>
+            <p:nvSpPr>
+              <p:cNvPr id="48" name="타원 47">
+                <a:extLst>
+                  <a:ext uri="{FF2B5EF4-FFF2-40B4-BE49-F238E27FC236}">
+                    <a16:creationId xmlns:a16="http://schemas.microsoft.com/office/drawing/2014/main" id="{80C65375-5738-833C-82AD-F7DA5FEEBC0B}"/>
+                  </a:ext>
+                </a:extLst>
+              </p:cNvPr>
+              <p:cNvSpPr/>
+              <p:nvPr/>
+            </p:nvSpPr>
+            <p:spPr>
+              <a:xfrm>
+                <a:off x="5375550" y="703596"/>
+                <a:ext cx="51932" cy="48879"/>
+              </a:xfrm>
+              <a:prstGeom prst="ellipse">
+                <a:avLst/>
+              </a:prstGeom>
+              <a:solidFill>
+                <a:schemeClr val="tx1"/>
+              </a:solidFill>
+            </p:spPr>
+            <p:style>
+              <a:lnRef idx="2">
+                <a:schemeClr val="accent1">
+                  <a:shade val="15000"/>
+                </a:schemeClr>
+              </a:lnRef>
+              <a:fillRef idx="1">
+                <a:schemeClr val="accent1"/>
+              </a:fillRef>
+              <a:effectRef idx="0">
+                <a:schemeClr val="accent1"/>
+              </a:effectRef>
+              <a:fontRef idx="minor">
+                <a:schemeClr val="lt1"/>
+              </a:fontRef>
+            </p:style>
+            <p:txBody>
+              <a:bodyPr rtlCol="0" anchor="ctr"/>
+              <a:lstStyle/>
+              <a:p>
+                <a:pPr algn="ctr"/>
+                <a:endParaRPr lang="ko-KR" altLang="en-US"/>
+              </a:p>
+            </p:txBody>
+          </p:sp>
+          <p:sp>
+            <p:nvSpPr>
+              <p:cNvPr id="49" name="타원 48">
+                <a:extLst>
+                  <a:ext uri="{FF2B5EF4-FFF2-40B4-BE49-F238E27FC236}">
+                    <a16:creationId xmlns:a16="http://schemas.microsoft.com/office/drawing/2014/main" id="{8A66DA86-BFBB-AFB5-0CDB-AE8EC5654397}"/>
+                  </a:ext>
+                </a:extLst>
+              </p:cNvPr>
+              <p:cNvSpPr/>
+              <p:nvPr/>
+            </p:nvSpPr>
+            <p:spPr>
+              <a:xfrm>
+                <a:off x="5378725" y="605220"/>
+                <a:ext cx="51932" cy="48879"/>
+              </a:xfrm>
+              <a:prstGeom prst="ellipse">
+                <a:avLst/>
+              </a:prstGeom>
+              <a:solidFill>
+                <a:srgbClr val="FF0000"/>
+              </a:solidFill>
+            </p:spPr>
+            <p:style>
+              <a:lnRef idx="2">
+                <a:schemeClr val="accent1">
+                  <a:shade val="15000"/>
+                </a:schemeClr>
+              </a:lnRef>
+              <a:fillRef idx="1">
+                <a:schemeClr val="accent1"/>
+              </a:fillRef>
+              <a:effectRef idx="0">
+                <a:schemeClr val="accent1"/>
+              </a:effectRef>
+              <a:fontRef idx="minor">
+                <a:schemeClr val="lt1"/>
+              </a:fontRef>
+            </p:style>
+            <p:txBody>
+              <a:bodyPr rtlCol="0" anchor="ctr"/>
+              <a:lstStyle/>
+              <a:p>
+                <a:pPr algn="ctr"/>
+                <a:endParaRPr lang="ko-KR" altLang="en-US"/>
+              </a:p>
+            </p:txBody>
+          </p:sp>
+        </p:grpSp>
+        <p:sp>
+          <p:nvSpPr>
+            <p:cNvPr id="1141" name="타원 1140">
+              <a:extLst>
+                <a:ext uri="{FF2B5EF4-FFF2-40B4-BE49-F238E27FC236}">
+                  <a16:creationId xmlns:a16="http://schemas.microsoft.com/office/drawing/2014/main" id="{3AE85865-9468-9B75-3FCA-DBFB1F0329F2}"/>
+                </a:ext>
+              </a:extLst>
+            </p:cNvPr>
+            <p:cNvSpPr/>
+            <p:nvPr/>
+          </p:nvSpPr>
+          <p:spPr>
+            <a:xfrm>
+              <a:off x="5651426" y="1341284"/>
+              <a:ext cx="61097" cy="61097"/>
+            </a:xfrm>
+            <a:prstGeom prst="ellipse">
+              <a:avLst/>
+            </a:prstGeom>
+            <a:solidFill>
+              <a:srgbClr val="00B050"/>
+            </a:solidFill>
+          </p:spPr>
+          <p:style>
+            <a:lnRef idx="2">
+              <a:schemeClr val="accent1">
+                <a:shade val="15000"/>
+              </a:schemeClr>
+            </a:lnRef>
+            <a:fillRef idx="1">
+              <a:schemeClr val="accent1"/>
+            </a:fillRef>
+            <a:effectRef idx="0">
+              <a:schemeClr val="accent1"/>
+            </a:effectRef>
+            <a:fontRef idx="minor">
+              <a:schemeClr val="lt1"/>
+            </a:fontRef>
+          </p:style>
+          <p:txBody>
+            <a:bodyPr rtlCol="0" anchor="ctr"/>
+            <a:lstStyle/>
+            <a:p>
+              <a:pPr algn="ctr"/>
+              <a:endParaRPr lang="ko-KR" altLang="en-US"/>
+            </a:p>
+          </p:txBody>
+        </p:sp>
+        <p:sp>
+          <p:nvSpPr>
+            <p:cNvPr id="1142" name="타원 1141">
+              <a:extLst>
+                <a:ext uri="{FF2B5EF4-FFF2-40B4-BE49-F238E27FC236}">
+                  <a16:creationId xmlns:a16="http://schemas.microsoft.com/office/drawing/2014/main" id="{6C09673E-2BD8-BFD4-C142-DA03D614C236}"/>
+                </a:ext>
+              </a:extLst>
+            </p:cNvPr>
+            <p:cNvSpPr/>
+            <p:nvPr/>
+          </p:nvSpPr>
+          <p:spPr>
+            <a:xfrm>
+              <a:off x="5652834" y="1449088"/>
+              <a:ext cx="61097" cy="61097"/>
+            </a:xfrm>
+            <a:prstGeom prst="ellipse">
+              <a:avLst/>
+            </a:prstGeom>
+            <a:solidFill>
+              <a:srgbClr val="FFC000"/>
+            </a:solidFill>
+          </p:spPr>
+          <p:style>
+            <a:lnRef idx="2">
+              <a:schemeClr val="accent1">
+                <a:shade val="15000"/>
+              </a:schemeClr>
+            </a:lnRef>
+            <a:fillRef idx="1">
+              <a:schemeClr val="accent1"/>
+            </a:fillRef>
+            <a:effectRef idx="0">
+              <a:schemeClr val="accent1"/>
+            </a:effectRef>
+            <a:fontRef idx="minor">
+              <a:schemeClr val="lt1"/>
+            </a:fontRef>
+          </p:style>
+          <p:txBody>
+            <a:bodyPr rtlCol="0" anchor="ctr"/>
+            <a:lstStyle/>
+            <a:p>
+              <a:pPr algn="ctr"/>
+              <a:endParaRPr lang="ko-KR" altLang="en-US"/>
+            </a:p>
+          </p:txBody>
+        </p:sp>
+      </p:grpSp>
+      <p:grpSp>
+        <p:nvGrpSpPr>
+          <p:cNvPr id="4" name="그룹 3">
+            <a:extLst>
+              <a:ext uri="{FF2B5EF4-FFF2-40B4-BE49-F238E27FC236}">
+                <a16:creationId xmlns:a16="http://schemas.microsoft.com/office/drawing/2014/main" id="{701E0143-B5DD-65EC-72E3-E0E15FF9AF3E}"/>
+              </a:ext>
+            </a:extLst>
+          </p:cNvPr>
+          <p:cNvGrpSpPr/>
+          <p:nvPr/>
+        </p:nvGrpSpPr>
+        <p:grpSpPr>
+          <a:xfrm>
+            <a:off x="1401520" y="2421586"/>
+            <a:ext cx="4299165" cy="2189481"/>
+            <a:chOff x="1633057" y="4117908"/>
+            <a:chExt cx="4299165" cy="2189481"/>
+          </a:xfrm>
+        </p:grpSpPr>
+        <p:pic>
+          <p:nvPicPr>
+            <p:cNvPr id="5" name="Picture 2">
+              <a:extLst>
+                <a:ext uri="{FF2B5EF4-FFF2-40B4-BE49-F238E27FC236}">
+                  <a16:creationId xmlns:a16="http://schemas.microsoft.com/office/drawing/2014/main" id="{8AA7534B-C160-ED13-01B0-967BB7B4B947}"/>
+                </a:ext>
+              </a:extLst>
+            </p:cNvPr>
+            <p:cNvPicPr>
+              <a:picLocks noChangeAspect="1" noChangeArrowheads="1"/>
+            </p:cNvPicPr>
+            <p:nvPr/>
+          </p:nvPicPr>
+          <p:blipFill rotWithShape="1">
+            <a:blip r:embed="rId3">
+              <a:extLst>
+                <a:ext uri="{28A0092B-C50C-407E-A947-70E740481C1C}">
+                  <a14:useLocalDpi xmlns:a14="http://schemas.microsoft.com/office/drawing/2010/main" val="0"/>
+                </a:ext>
+              </a:extLst>
+            </a:blip>
+            <a:srcRect l="19822" t="12222" b="11759"/>
+            <a:stretch/>
+          </p:blipFill>
+          <p:spPr bwMode="auto">
+            <a:xfrm>
+              <a:off x="1633057" y="4117908"/>
+              <a:ext cx="4299165" cy="2189481"/>
+            </a:xfrm>
+            <a:prstGeom prst="rect">
+              <a:avLst/>
+            </a:prstGeom>
+            <a:noFill/>
+            <a:extLst>
+              <a:ext uri="{909E8E84-426E-40DD-AFC4-6F175D3DCCD1}">
+                <a14:hiddenFill xmlns:a14="http://schemas.microsoft.com/office/drawing/2010/main">
+                  <a:solidFill>
+                    <a:srgbClr val="FFFFFF"/>
+                  </a:solidFill>
+                </a14:hiddenFill>
+              </a:ext>
+            </a:extLst>
+          </p:spPr>
+        </p:pic>
+        <p:sp>
+          <p:nvSpPr>
+            <p:cNvPr id="6" name="타원 5">
+              <a:extLst>
+                <a:ext uri="{FF2B5EF4-FFF2-40B4-BE49-F238E27FC236}">
+                  <a16:creationId xmlns:a16="http://schemas.microsoft.com/office/drawing/2014/main" id="{A8EC08A9-EA64-07A0-8EE8-972C2AB1EB00}"/>
+                </a:ext>
+              </a:extLst>
+            </p:cNvPr>
+            <p:cNvSpPr/>
+            <p:nvPr/>
+          </p:nvSpPr>
+          <p:spPr>
+            <a:xfrm>
+              <a:off x="2065683" y="4289425"/>
+              <a:ext cx="45719" cy="45719"/>
+            </a:xfrm>
+            <a:prstGeom prst="ellipse">
+              <a:avLst/>
+            </a:prstGeom>
+            <a:solidFill>
+              <a:schemeClr val="accent3"/>
+            </a:solidFill>
+          </p:spPr>
+          <p:style>
+            <a:lnRef idx="2">
+              <a:schemeClr val="accent1">
+                <a:shade val="15000"/>
+              </a:schemeClr>
+            </a:lnRef>
+            <a:fillRef idx="1">
+              <a:schemeClr val="accent1"/>
+            </a:fillRef>
+            <a:effectRef idx="0">
+              <a:schemeClr val="accent1"/>
+            </a:effectRef>
+            <a:fontRef idx="minor">
+              <a:schemeClr val="lt1"/>
+            </a:fontRef>
+          </p:style>
+          <p:txBody>
+            <a:bodyPr rtlCol="0" anchor="ctr"/>
+            <a:lstStyle/>
+            <a:p>
+              <a:pPr algn="ctr"/>
+              <a:endParaRPr lang="ko-KR" altLang="en-US"/>
+            </a:p>
+          </p:txBody>
+        </p:sp>
+        <p:sp>
+          <p:nvSpPr>
+            <p:cNvPr id="7" name="타원 6">
+              <a:extLst>
+                <a:ext uri="{FF2B5EF4-FFF2-40B4-BE49-F238E27FC236}">
+                  <a16:creationId xmlns:a16="http://schemas.microsoft.com/office/drawing/2014/main" id="{3366E8FE-1B05-5FFC-2108-FE4E0CFE72A9}"/>
+                </a:ext>
+              </a:extLst>
+            </p:cNvPr>
+            <p:cNvSpPr/>
+            <p:nvPr/>
+          </p:nvSpPr>
+          <p:spPr>
+            <a:xfrm>
+              <a:off x="2172911" y="4289425"/>
+              <a:ext cx="45719" cy="45719"/>
+            </a:xfrm>
+            <a:prstGeom prst="ellipse">
+              <a:avLst/>
+            </a:prstGeom>
+            <a:solidFill>
+              <a:schemeClr val="accent3"/>
+            </a:solidFill>
+          </p:spPr>
+          <p:style>
+            <a:lnRef idx="2">
+              <a:schemeClr val="accent1">
+                <a:shade val="15000"/>
+              </a:schemeClr>
+            </a:lnRef>
+            <a:fillRef idx="1">
+              <a:schemeClr val="accent1"/>
+            </a:fillRef>
+            <a:effectRef idx="0">
+              <a:schemeClr val="accent1"/>
+            </a:effectRef>
+            <a:fontRef idx="minor">
+              <a:schemeClr val="lt1"/>
+            </a:fontRef>
+          </p:style>
+          <p:txBody>
+            <a:bodyPr rtlCol="0" anchor="ctr"/>
+            <a:lstStyle/>
+            <a:p>
+              <a:pPr algn="ctr"/>
+              <a:endParaRPr lang="ko-KR" altLang="en-US"/>
+            </a:p>
+          </p:txBody>
+        </p:sp>
+        <p:sp>
+          <p:nvSpPr>
+            <p:cNvPr id="8" name="타원 7">
+              <a:extLst>
+                <a:ext uri="{FF2B5EF4-FFF2-40B4-BE49-F238E27FC236}">
+                  <a16:creationId xmlns:a16="http://schemas.microsoft.com/office/drawing/2014/main" id="{CA3049D6-018A-90D1-D5AD-CBC9CD26513A}"/>
+                </a:ext>
+              </a:extLst>
+            </p:cNvPr>
+            <p:cNvSpPr/>
+            <p:nvPr/>
+          </p:nvSpPr>
+          <p:spPr>
+            <a:xfrm>
+              <a:off x="2280139" y="4289424"/>
+              <a:ext cx="45719" cy="45719"/>
+            </a:xfrm>
+            <a:prstGeom prst="ellipse">
+              <a:avLst/>
+            </a:prstGeom>
+            <a:solidFill>
+              <a:schemeClr val="accent3"/>
+            </a:solidFill>
+          </p:spPr>
+          <p:style>
+            <a:lnRef idx="2">
+              <a:schemeClr val="accent1">
+                <a:shade val="15000"/>
+              </a:schemeClr>
+            </a:lnRef>
+            <a:fillRef idx="1">
+              <a:schemeClr val="accent1"/>
+            </a:fillRef>
+            <a:effectRef idx="0">
+              <a:schemeClr val="accent1"/>
+            </a:effectRef>
+            <a:fontRef idx="minor">
+              <a:schemeClr val="lt1"/>
+            </a:fontRef>
+          </p:style>
+          <p:txBody>
+            <a:bodyPr rtlCol="0" anchor="ctr"/>
+            <a:lstStyle/>
+            <a:p>
+              <a:pPr algn="ctr"/>
+              <a:endParaRPr lang="ko-KR" altLang="en-US"/>
+            </a:p>
+          </p:txBody>
+        </p:sp>
+        <p:sp>
+          <p:nvSpPr>
+            <p:cNvPr id="9" name="타원 8">
+              <a:extLst>
+                <a:ext uri="{FF2B5EF4-FFF2-40B4-BE49-F238E27FC236}">
+                  <a16:creationId xmlns:a16="http://schemas.microsoft.com/office/drawing/2014/main" id="{EB794E11-8F9F-C6DA-86AC-1865C9040BEC}"/>
+                </a:ext>
+              </a:extLst>
+            </p:cNvPr>
+            <p:cNvSpPr/>
+            <p:nvPr/>
+          </p:nvSpPr>
+          <p:spPr>
+            <a:xfrm>
+              <a:off x="2387367" y="4289423"/>
+              <a:ext cx="45719" cy="45719"/>
+            </a:xfrm>
+            <a:prstGeom prst="ellipse">
+              <a:avLst/>
+            </a:prstGeom>
+            <a:solidFill>
+              <a:schemeClr val="accent3"/>
+            </a:solidFill>
+          </p:spPr>
+          <p:style>
+            <a:lnRef idx="2">
+              <a:schemeClr val="accent1">
+                <a:shade val="15000"/>
+              </a:schemeClr>
+            </a:lnRef>
+            <a:fillRef idx="1">
+              <a:schemeClr val="accent1"/>
+            </a:fillRef>
+            <a:effectRef idx="0">
+              <a:schemeClr val="accent1"/>
+            </a:effectRef>
+            <a:fontRef idx="minor">
+              <a:schemeClr val="lt1"/>
+            </a:fontRef>
+          </p:style>
+          <p:txBody>
+            <a:bodyPr rtlCol="0" anchor="ctr"/>
+            <a:lstStyle/>
+            <a:p>
+              <a:pPr algn="ctr"/>
+              <a:endParaRPr lang="ko-KR" altLang="en-US"/>
+            </a:p>
+          </p:txBody>
+        </p:sp>
+        <p:sp>
+          <p:nvSpPr>
+            <p:cNvPr id="10" name="타원 9">
+              <a:extLst>
+                <a:ext uri="{FF2B5EF4-FFF2-40B4-BE49-F238E27FC236}">
+                  <a16:creationId xmlns:a16="http://schemas.microsoft.com/office/drawing/2014/main" id="{D33D449A-A0A1-7CB5-10F4-EA466E6A93AE}"/>
+                </a:ext>
+              </a:extLst>
+            </p:cNvPr>
+            <p:cNvSpPr/>
+            <p:nvPr/>
+          </p:nvSpPr>
+          <p:spPr>
+            <a:xfrm>
+              <a:off x="2495720" y="4289423"/>
+              <a:ext cx="45719" cy="45719"/>
+            </a:xfrm>
+            <a:prstGeom prst="ellipse">
+              <a:avLst/>
+            </a:prstGeom>
+            <a:solidFill>
+              <a:schemeClr val="accent3"/>
+            </a:solidFill>
+          </p:spPr>
+          <p:style>
+            <a:lnRef idx="2">
+              <a:schemeClr val="accent1">
+                <a:shade val="15000"/>
+              </a:schemeClr>
+            </a:lnRef>
+            <a:fillRef idx="1">
+              <a:schemeClr val="accent1"/>
+            </a:fillRef>
+            <a:effectRef idx="0">
+              <a:schemeClr val="accent1"/>
+            </a:effectRef>
+            <a:fontRef idx="minor">
+              <a:schemeClr val="lt1"/>
+            </a:fontRef>
+          </p:style>
+          <p:txBody>
+            <a:bodyPr rtlCol="0" anchor="ctr"/>
+            <a:lstStyle/>
+            <a:p>
+              <a:pPr algn="ctr"/>
+              <a:endParaRPr lang="ko-KR" altLang="en-US"/>
+            </a:p>
+          </p:txBody>
+        </p:sp>
+        <p:sp>
+          <p:nvSpPr>
+            <p:cNvPr id="11" name="타원 10">
+              <a:extLst>
+                <a:ext uri="{FF2B5EF4-FFF2-40B4-BE49-F238E27FC236}">
+                  <a16:creationId xmlns:a16="http://schemas.microsoft.com/office/drawing/2014/main" id="{E3055915-462E-C448-8A02-C6CA99BC06AA}"/>
+                </a:ext>
+              </a:extLst>
+            </p:cNvPr>
+            <p:cNvSpPr/>
+            <p:nvPr/>
+          </p:nvSpPr>
+          <p:spPr>
+            <a:xfrm>
+              <a:off x="2598648" y="4289422"/>
+              <a:ext cx="45719" cy="45719"/>
+            </a:xfrm>
+            <a:prstGeom prst="ellipse">
+              <a:avLst/>
+            </a:prstGeom>
+            <a:solidFill>
+              <a:schemeClr val="accent3"/>
+            </a:solidFill>
+          </p:spPr>
+          <p:style>
+            <a:lnRef idx="2">
+              <a:schemeClr val="accent1">
+                <a:shade val="15000"/>
+              </a:schemeClr>
+            </a:lnRef>
+            <a:fillRef idx="1">
+              <a:schemeClr val="accent1"/>
+            </a:fillRef>
+            <a:effectRef idx="0">
+              <a:schemeClr val="accent1"/>
+            </a:effectRef>
+            <a:fontRef idx="minor">
+              <a:schemeClr val="lt1"/>
+            </a:fontRef>
+          </p:style>
+          <p:txBody>
+            <a:bodyPr rtlCol="0" anchor="ctr"/>
+            <a:lstStyle/>
+            <a:p>
+              <a:pPr algn="ctr"/>
+              <a:endParaRPr lang="ko-KR" altLang="en-US"/>
+            </a:p>
+          </p:txBody>
+        </p:sp>
+        <p:sp>
+          <p:nvSpPr>
+            <p:cNvPr id="12" name="타원 11">
+              <a:extLst>
+                <a:ext uri="{FF2B5EF4-FFF2-40B4-BE49-F238E27FC236}">
+                  <a16:creationId xmlns:a16="http://schemas.microsoft.com/office/drawing/2014/main" id="{91A55422-5867-CFA4-6CC4-CA6B357A35A2}"/>
+                </a:ext>
+              </a:extLst>
+            </p:cNvPr>
+            <p:cNvSpPr/>
+            <p:nvPr/>
+          </p:nvSpPr>
+          <p:spPr>
+            <a:xfrm>
+              <a:off x="2701576" y="4289421"/>
+              <a:ext cx="45719" cy="45719"/>
+            </a:xfrm>
+            <a:prstGeom prst="ellipse">
+              <a:avLst/>
+            </a:prstGeom>
+            <a:solidFill>
+              <a:schemeClr val="accent3"/>
+            </a:solidFill>
+          </p:spPr>
+          <p:style>
+            <a:lnRef idx="2">
+              <a:schemeClr val="accent1">
+                <a:shade val="15000"/>
+              </a:schemeClr>
+            </a:lnRef>
+            <a:fillRef idx="1">
+              <a:schemeClr val="accent1"/>
+            </a:fillRef>
+            <a:effectRef idx="0">
+              <a:schemeClr val="accent1"/>
+            </a:effectRef>
+            <a:fontRef idx="minor">
+              <a:schemeClr val="lt1"/>
+            </a:fontRef>
+          </p:style>
+          <p:txBody>
+            <a:bodyPr rtlCol="0" anchor="ctr"/>
+            <a:lstStyle/>
+            <a:p>
+              <a:pPr algn="ctr"/>
+              <a:endParaRPr lang="ko-KR" altLang="en-US"/>
+            </a:p>
+          </p:txBody>
+        </p:sp>
+        <p:sp>
+          <p:nvSpPr>
+            <p:cNvPr id="13" name="타원 12">
+              <a:extLst>
+                <a:ext uri="{FF2B5EF4-FFF2-40B4-BE49-F238E27FC236}">
+                  <a16:creationId xmlns:a16="http://schemas.microsoft.com/office/drawing/2014/main" id="{A4C4A976-8DF9-5EAA-F3FB-C28CCFBFE941}"/>
+                </a:ext>
+              </a:extLst>
+            </p:cNvPr>
+            <p:cNvSpPr/>
+            <p:nvPr/>
+          </p:nvSpPr>
+          <p:spPr>
+            <a:xfrm>
+              <a:off x="2807679" y="4289421"/>
+              <a:ext cx="45719" cy="45719"/>
+            </a:xfrm>
+            <a:prstGeom prst="ellipse">
+              <a:avLst/>
+            </a:prstGeom>
+            <a:solidFill>
+              <a:schemeClr val="accent3"/>
+            </a:solidFill>
+          </p:spPr>
+          <p:style>
+            <a:lnRef idx="2">
+              <a:schemeClr val="accent1">
+                <a:shade val="15000"/>
+              </a:schemeClr>
+            </a:lnRef>
+            <a:fillRef idx="1">
+              <a:schemeClr val="accent1"/>
+            </a:fillRef>
+            <a:effectRef idx="0">
+              <a:schemeClr val="accent1"/>
+            </a:effectRef>
+            <a:fontRef idx="minor">
+              <a:schemeClr val="lt1"/>
+            </a:fontRef>
+          </p:style>
+          <p:txBody>
+            <a:bodyPr rtlCol="0" anchor="ctr"/>
+            <a:lstStyle/>
+            <a:p>
+              <a:pPr algn="ctr"/>
+              <a:endParaRPr lang="ko-KR" altLang="en-US"/>
+            </a:p>
+          </p:txBody>
+        </p:sp>
+        <p:sp>
+          <p:nvSpPr>
+            <p:cNvPr id="14" name="타원 13">
+              <a:extLst>
+                <a:ext uri="{FF2B5EF4-FFF2-40B4-BE49-F238E27FC236}">
+                  <a16:creationId xmlns:a16="http://schemas.microsoft.com/office/drawing/2014/main" id="{0938442F-1DF2-6DC2-C219-7A4C9EDA92A5}"/>
+                </a:ext>
+              </a:extLst>
+            </p:cNvPr>
+            <p:cNvSpPr/>
+            <p:nvPr/>
+          </p:nvSpPr>
+          <p:spPr>
+            <a:xfrm>
+              <a:off x="2917157" y="4289421"/>
+              <a:ext cx="45719" cy="45719"/>
+            </a:xfrm>
+            <a:prstGeom prst="ellipse">
+              <a:avLst/>
+            </a:prstGeom>
+            <a:solidFill>
+              <a:schemeClr val="accent3"/>
+            </a:solidFill>
+          </p:spPr>
+          <p:style>
+            <a:lnRef idx="2">
+              <a:schemeClr val="accent1">
+                <a:shade val="15000"/>
+              </a:schemeClr>
+            </a:lnRef>
+            <a:fillRef idx="1">
+              <a:schemeClr val="accent1"/>
+            </a:fillRef>
+            <a:effectRef idx="0">
+              <a:schemeClr val="accent1"/>
+            </a:effectRef>
+            <a:fontRef idx="minor">
+              <a:schemeClr val="lt1"/>
+            </a:fontRef>
+          </p:style>
+          <p:txBody>
+            <a:bodyPr rtlCol="0" anchor="ctr"/>
+            <a:lstStyle/>
+            <a:p>
+              <a:pPr algn="ctr"/>
+              <a:endParaRPr lang="ko-KR" altLang="en-US"/>
+            </a:p>
+          </p:txBody>
+        </p:sp>
+        <p:sp>
+          <p:nvSpPr>
+            <p:cNvPr id="15" name="타원 14">
+              <a:extLst>
+                <a:ext uri="{FF2B5EF4-FFF2-40B4-BE49-F238E27FC236}">
+                  <a16:creationId xmlns:a16="http://schemas.microsoft.com/office/drawing/2014/main" id="{A2212DF5-199C-347A-669F-452EB42736E7}"/>
+                </a:ext>
+              </a:extLst>
+            </p:cNvPr>
+            <p:cNvSpPr/>
+            <p:nvPr/>
+          </p:nvSpPr>
+          <p:spPr>
+            <a:xfrm>
+              <a:off x="3018960" y="4289421"/>
+              <a:ext cx="45719" cy="45719"/>
+            </a:xfrm>
+            <a:prstGeom prst="ellipse">
+              <a:avLst/>
+            </a:prstGeom>
+            <a:solidFill>
+              <a:schemeClr val="accent3"/>
+            </a:solidFill>
+          </p:spPr>
+          <p:style>
+            <a:lnRef idx="2">
+              <a:schemeClr val="accent1">
+                <a:shade val="15000"/>
+              </a:schemeClr>
+            </a:lnRef>
+            <a:fillRef idx="1">
+              <a:schemeClr val="accent1"/>
+            </a:fillRef>
+            <a:effectRef idx="0">
+              <a:schemeClr val="accent1"/>
+            </a:effectRef>
+            <a:fontRef idx="minor">
+              <a:schemeClr val="lt1"/>
+            </a:fontRef>
+          </p:style>
+          <p:txBody>
+            <a:bodyPr rtlCol="0" anchor="ctr"/>
+            <a:lstStyle/>
+            <a:p>
+              <a:pPr algn="ctr"/>
+              <a:endParaRPr lang="ko-KR" altLang="en-US"/>
+            </a:p>
+          </p:txBody>
+        </p:sp>
+        <p:sp>
+          <p:nvSpPr>
+            <p:cNvPr id="16" name="타원 15">
+              <a:extLst>
+                <a:ext uri="{FF2B5EF4-FFF2-40B4-BE49-F238E27FC236}">
+                  <a16:creationId xmlns:a16="http://schemas.microsoft.com/office/drawing/2014/main" id="{6EEA4339-E087-4681-5855-D3EE7D909E3B}"/>
+                </a:ext>
+              </a:extLst>
+            </p:cNvPr>
+            <p:cNvSpPr/>
+            <p:nvPr/>
+          </p:nvSpPr>
+          <p:spPr>
+            <a:xfrm>
+              <a:off x="4878694" y="4293065"/>
+              <a:ext cx="45719" cy="45719"/>
+            </a:xfrm>
+            <a:prstGeom prst="ellipse">
+              <a:avLst/>
+            </a:prstGeom>
+            <a:solidFill>
+              <a:srgbClr val="FF0000"/>
+            </a:solidFill>
+          </p:spPr>
+          <p:style>
+            <a:lnRef idx="2">
+              <a:schemeClr val="accent1">
+                <a:shade val="15000"/>
+              </a:schemeClr>
+            </a:lnRef>
+            <a:fillRef idx="1">
+              <a:schemeClr val="accent1"/>
+            </a:fillRef>
+            <a:effectRef idx="0">
+              <a:schemeClr val="accent1"/>
+            </a:effectRef>
+            <a:fontRef idx="minor">
+              <a:schemeClr val="lt1"/>
+            </a:fontRef>
+          </p:style>
+          <p:txBody>
+            <a:bodyPr rtlCol="0" anchor="ctr"/>
+            <a:lstStyle/>
+            <a:p>
+              <a:pPr algn="ctr"/>
+              <a:endParaRPr lang="ko-KR" altLang="en-US"/>
+            </a:p>
+          </p:txBody>
+        </p:sp>
+        <p:sp>
+          <p:nvSpPr>
+            <p:cNvPr id="17" name="타원 16">
+              <a:extLst>
+                <a:ext uri="{FF2B5EF4-FFF2-40B4-BE49-F238E27FC236}">
+                  <a16:creationId xmlns:a16="http://schemas.microsoft.com/office/drawing/2014/main" id="{12E30358-2391-D9A4-D33E-B1F3FEAB4E76}"/>
+                </a:ext>
+              </a:extLst>
+            </p:cNvPr>
+            <p:cNvSpPr/>
+            <p:nvPr/>
+          </p:nvSpPr>
+          <p:spPr>
+            <a:xfrm>
+              <a:off x="4993397" y="4292596"/>
+              <a:ext cx="45719" cy="45719"/>
+            </a:xfrm>
+            <a:prstGeom prst="ellipse">
+              <a:avLst/>
+            </a:prstGeom>
+            <a:solidFill>
+              <a:schemeClr val="tx1"/>
+            </a:solidFill>
+          </p:spPr>
+          <p:style>
+            <a:lnRef idx="2">
+              <a:schemeClr val="accent1">
+                <a:shade val="15000"/>
+              </a:schemeClr>
+            </a:lnRef>
+            <a:fillRef idx="1">
+              <a:schemeClr val="accent1"/>
+            </a:fillRef>
+            <a:effectRef idx="0">
+              <a:schemeClr val="accent1"/>
+            </a:effectRef>
+            <a:fontRef idx="minor">
+              <a:schemeClr val="lt1"/>
+            </a:fontRef>
+          </p:style>
+          <p:txBody>
+            <a:bodyPr rtlCol="0" anchor="ctr"/>
+            <a:lstStyle/>
+            <a:p>
+              <a:pPr algn="ctr"/>
+              <a:endParaRPr lang="ko-KR" altLang="en-US"/>
+            </a:p>
+          </p:txBody>
+        </p:sp>
+        <p:sp>
+          <p:nvSpPr>
+            <p:cNvPr id="18" name="타원 17">
+              <a:extLst>
+                <a:ext uri="{FF2B5EF4-FFF2-40B4-BE49-F238E27FC236}">
+                  <a16:creationId xmlns:a16="http://schemas.microsoft.com/office/drawing/2014/main" id="{150A5C3B-531F-2F2F-5386-850C2F159E79}"/>
+                </a:ext>
+              </a:extLst>
+            </p:cNvPr>
+            <p:cNvSpPr/>
+            <p:nvPr/>
+          </p:nvSpPr>
+          <p:spPr>
+            <a:xfrm>
+              <a:off x="3225545" y="6086475"/>
+              <a:ext cx="45719" cy="45719"/>
+            </a:xfrm>
+            <a:prstGeom prst="ellipse">
+              <a:avLst/>
+            </a:prstGeom>
+            <a:solidFill>
+              <a:schemeClr val="accent1"/>
+            </a:solidFill>
+          </p:spPr>
+          <p:style>
+            <a:lnRef idx="2">
+              <a:schemeClr val="accent1">
+                <a:shade val="15000"/>
+              </a:schemeClr>
+            </a:lnRef>
+            <a:fillRef idx="1">
+              <a:schemeClr val="accent1"/>
+            </a:fillRef>
+            <a:effectRef idx="0">
+              <a:schemeClr val="accent1"/>
+            </a:effectRef>
+            <a:fontRef idx="minor">
+              <a:schemeClr val="lt1"/>
+            </a:fontRef>
+          </p:style>
+          <p:txBody>
+            <a:bodyPr rtlCol="0" anchor="ctr"/>
+            <a:lstStyle/>
+            <a:p>
+              <a:pPr algn="ctr"/>
+              <a:endParaRPr lang="ko-KR" altLang="en-US"/>
+            </a:p>
+          </p:txBody>
+        </p:sp>
+        <p:sp>
+          <p:nvSpPr>
+            <p:cNvPr id="19" name="타원 18">
+              <a:extLst>
+                <a:ext uri="{FF2B5EF4-FFF2-40B4-BE49-F238E27FC236}">
+                  <a16:creationId xmlns:a16="http://schemas.microsoft.com/office/drawing/2014/main" id="{88518F66-94F6-B176-7348-8221F55F080C}"/>
+                </a:ext>
+              </a:extLst>
+            </p:cNvPr>
+            <p:cNvSpPr/>
+            <p:nvPr/>
+          </p:nvSpPr>
+          <p:spPr>
+            <a:xfrm>
+              <a:off x="3326423" y="6086475"/>
+              <a:ext cx="45719" cy="45719"/>
+            </a:xfrm>
+            <a:prstGeom prst="ellipse">
+              <a:avLst/>
+            </a:prstGeom>
+            <a:solidFill>
+              <a:schemeClr val="accent1"/>
+            </a:solidFill>
+          </p:spPr>
+          <p:style>
+            <a:lnRef idx="2">
+              <a:schemeClr val="accent1">
+                <a:shade val="15000"/>
+              </a:schemeClr>
+            </a:lnRef>
+            <a:fillRef idx="1">
+              <a:schemeClr val="accent1"/>
+            </a:fillRef>
+            <a:effectRef idx="0">
+              <a:schemeClr val="accent1"/>
+            </a:effectRef>
+            <a:fontRef idx="minor">
+              <a:schemeClr val="lt1"/>
+            </a:fontRef>
+          </p:style>
+          <p:txBody>
+            <a:bodyPr rtlCol="0" anchor="ctr"/>
+            <a:lstStyle/>
+            <a:p>
+              <a:pPr algn="ctr"/>
+              <a:endParaRPr lang="ko-KR" altLang="en-US"/>
+            </a:p>
+          </p:txBody>
+        </p:sp>
+        <p:sp>
+          <p:nvSpPr>
+            <p:cNvPr id="20" name="타원 19">
+              <a:extLst>
+                <a:ext uri="{FF2B5EF4-FFF2-40B4-BE49-F238E27FC236}">
+                  <a16:creationId xmlns:a16="http://schemas.microsoft.com/office/drawing/2014/main" id="{D500CA1B-2BB7-9217-EAE4-23610358C05D}"/>
+                </a:ext>
+              </a:extLst>
+            </p:cNvPr>
+            <p:cNvSpPr/>
+            <p:nvPr/>
+          </p:nvSpPr>
+          <p:spPr>
+            <a:xfrm>
+              <a:off x="3436826" y="6086474"/>
+              <a:ext cx="45719" cy="45719"/>
+            </a:xfrm>
+            <a:prstGeom prst="ellipse">
+              <a:avLst/>
+            </a:prstGeom>
+            <a:solidFill>
+              <a:schemeClr val="accent1"/>
+            </a:solidFill>
+          </p:spPr>
+          <p:style>
+            <a:lnRef idx="2">
+              <a:schemeClr val="accent1">
+                <a:shade val="15000"/>
+              </a:schemeClr>
+            </a:lnRef>
+            <a:fillRef idx="1">
+              <a:schemeClr val="accent1"/>
+            </a:fillRef>
+            <a:effectRef idx="0">
+              <a:schemeClr val="accent1"/>
+            </a:effectRef>
+            <a:fontRef idx="minor">
+              <a:schemeClr val="lt1"/>
+            </a:fontRef>
+          </p:style>
+          <p:txBody>
+            <a:bodyPr rtlCol="0" anchor="ctr"/>
+            <a:lstStyle/>
+            <a:p>
+              <a:pPr algn="ctr"/>
+              <a:endParaRPr lang="ko-KR" altLang="en-US"/>
+            </a:p>
+          </p:txBody>
+        </p:sp>
+        <p:sp>
+          <p:nvSpPr>
+            <p:cNvPr id="21" name="타원 20">
+              <a:extLst>
+                <a:ext uri="{FF2B5EF4-FFF2-40B4-BE49-F238E27FC236}">
+                  <a16:creationId xmlns:a16="http://schemas.microsoft.com/office/drawing/2014/main" id="{5EAC8473-103F-99DF-FF32-EDC696CF3C07}"/>
+                </a:ext>
+              </a:extLst>
+            </p:cNvPr>
+            <p:cNvSpPr/>
+            <p:nvPr/>
+          </p:nvSpPr>
+          <p:spPr>
+            <a:xfrm>
+              <a:off x="3550404" y="6086473"/>
+              <a:ext cx="45719" cy="45719"/>
+            </a:xfrm>
+            <a:prstGeom prst="ellipse">
+              <a:avLst/>
+            </a:prstGeom>
+            <a:solidFill>
+              <a:schemeClr val="accent1"/>
+            </a:solidFill>
+          </p:spPr>
+          <p:style>
+            <a:lnRef idx="2">
+              <a:schemeClr val="accent1">
+                <a:shade val="15000"/>
+              </a:schemeClr>
+            </a:lnRef>
+            <a:fillRef idx="1">
+              <a:schemeClr val="accent1"/>
+            </a:fillRef>
+            <a:effectRef idx="0">
+              <a:schemeClr val="accent1"/>
+            </a:effectRef>
+            <a:fontRef idx="minor">
+              <a:schemeClr val="lt1"/>
+            </a:fontRef>
+          </p:style>
+          <p:txBody>
+            <a:bodyPr rtlCol="0" anchor="ctr"/>
+            <a:lstStyle/>
+            <a:p>
+              <a:pPr algn="ctr"/>
+              <a:endParaRPr lang="ko-KR" altLang="en-US"/>
+            </a:p>
+          </p:txBody>
+        </p:sp>
+        <p:sp>
+          <p:nvSpPr>
+            <p:cNvPr id="22" name="타원 21">
+              <a:extLst>
+                <a:ext uri="{FF2B5EF4-FFF2-40B4-BE49-F238E27FC236}">
+                  <a16:creationId xmlns:a16="http://schemas.microsoft.com/office/drawing/2014/main" id="{45277088-34BC-254A-9B9F-87C7AC15DBC6}"/>
+                </a:ext>
+              </a:extLst>
+            </p:cNvPr>
+            <p:cNvSpPr/>
+            <p:nvPr/>
+          </p:nvSpPr>
+          <p:spPr>
+            <a:xfrm>
+              <a:off x="3649232" y="6086473"/>
+              <a:ext cx="45719" cy="45719"/>
+            </a:xfrm>
+            <a:prstGeom prst="ellipse">
+              <a:avLst/>
+            </a:prstGeom>
+            <a:solidFill>
+              <a:schemeClr val="accent1"/>
+            </a:solidFill>
+          </p:spPr>
+          <p:style>
+            <a:lnRef idx="2">
+              <a:schemeClr val="accent1">
+                <a:shade val="15000"/>
+              </a:schemeClr>
+            </a:lnRef>
+            <a:fillRef idx="1">
+              <a:schemeClr val="accent1"/>
+            </a:fillRef>
+            <a:effectRef idx="0">
+              <a:schemeClr val="accent1"/>
+            </a:effectRef>
+            <a:fontRef idx="minor">
+              <a:schemeClr val="lt1"/>
+            </a:fontRef>
+          </p:style>
+          <p:txBody>
+            <a:bodyPr rtlCol="0" anchor="ctr"/>
+            <a:lstStyle/>
+            <a:p>
+              <a:pPr algn="ctr"/>
+              <a:endParaRPr lang="ko-KR" altLang="en-US"/>
+            </a:p>
+          </p:txBody>
+        </p:sp>
+        <p:sp>
+          <p:nvSpPr>
+            <p:cNvPr id="23" name="타원 22">
+              <a:extLst>
+                <a:ext uri="{FF2B5EF4-FFF2-40B4-BE49-F238E27FC236}">
+                  <a16:creationId xmlns:a16="http://schemas.microsoft.com/office/drawing/2014/main" id="{8CFB2D57-00FB-E341-BAA6-09348C8B5C26}"/>
+                </a:ext>
+              </a:extLst>
+            </p:cNvPr>
+            <p:cNvSpPr/>
+            <p:nvPr/>
+          </p:nvSpPr>
+          <p:spPr>
+            <a:xfrm>
+              <a:off x="3752160" y="6086472"/>
+              <a:ext cx="45719" cy="45719"/>
+            </a:xfrm>
+            <a:prstGeom prst="ellipse">
+              <a:avLst/>
+            </a:prstGeom>
+            <a:solidFill>
+              <a:schemeClr val="accent1"/>
+            </a:solidFill>
+          </p:spPr>
+          <p:style>
+            <a:lnRef idx="2">
+              <a:schemeClr val="accent1">
+                <a:shade val="15000"/>
+              </a:schemeClr>
+            </a:lnRef>
+            <a:fillRef idx="1">
+              <a:schemeClr val="accent1"/>
+            </a:fillRef>
+            <a:effectRef idx="0">
+              <a:schemeClr val="accent1"/>
+            </a:effectRef>
+            <a:fontRef idx="minor">
+              <a:schemeClr val="lt1"/>
+            </a:fontRef>
+          </p:style>
+          <p:txBody>
+            <a:bodyPr rtlCol="0" anchor="ctr"/>
+            <a:lstStyle/>
+            <a:p>
+              <a:pPr algn="ctr"/>
+              <a:endParaRPr lang="ko-KR" altLang="en-US"/>
+            </a:p>
+          </p:txBody>
+        </p:sp>
+        <p:sp>
+          <p:nvSpPr>
+            <p:cNvPr id="24" name="타원 23">
+              <a:extLst>
+                <a:ext uri="{FF2B5EF4-FFF2-40B4-BE49-F238E27FC236}">
+                  <a16:creationId xmlns:a16="http://schemas.microsoft.com/office/drawing/2014/main" id="{DBE9637F-7202-E645-7FBB-275A98428D59}"/>
+                </a:ext>
+              </a:extLst>
+            </p:cNvPr>
+            <p:cNvSpPr/>
+            <p:nvPr/>
+          </p:nvSpPr>
+          <p:spPr>
+            <a:xfrm>
+              <a:off x="3864613" y="6086471"/>
+              <a:ext cx="45719" cy="45719"/>
+            </a:xfrm>
+            <a:prstGeom prst="ellipse">
+              <a:avLst/>
+            </a:prstGeom>
+            <a:solidFill>
+              <a:schemeClr val="accent1"/>
+            </a:solidFill>
+          </p:spPr>
+          <p:style>
+            <a:lnRef idx="2">
+              <a:schemeClr val="accent1">
+                <a:shade val="15000"/>
+              </a:schemeClr>
+            </a:lnRef>
+            <a:fillRef idx="1">
+              <a:schemeClr val="accent1"/>
+            </a:fillRef>
+            <a:effectRef idx="0">
+              <a:schemeClr val="accent1"/>
+            </a:effectRef>
+            <a:fontRef idx="minor">
+              <a:schemeClr val="lt1"/>
+            </a:fontRef>
+          </p:style>
+          <p:txBody>
+            <a:bodyPr rtlCol="0" anchor="ctr"/>
+            <a:lstStyle/>
+            <a:p>
+              <a:pPr algn="ctr"/>
+              <a:endParaRPr lang="ko-KR" altLang="en-US"/>
+            </a:p>
+          </p:txBody>
+        </p:sp>
+        <p:sp>
+          <p:nvSpPr>
+            <p:cNvPr id="25" name="타원 24">
+              <a:extLst>
+                <a:ext uri="{FF2B5EF4-FFF2-40B4-BE49-F238E27FC236}">
+                  <a16:creationId xmlns:a16="http://schemas.microsoft.com/office/drawing/2014/main" id="{F9178321-8C3A-AD7E-255D-13F0FBC2C0C9}"/>
+                </a:ext>
+              </a:extLst>
+            </p:cNvPr>
+            <p:cNvSpPr/>
+            <p:nvPr/>
+          </p:nvSpPr>
+          <p:spPr>
+            <a:xfrm>
+              <a:off x="3970716" y="6086471"/>
+              <a:ext cx="45719" cy="45719"/>
+            </a:xfrm>
+            <a:prstGeom prst="ellipse">
+              <a:avLst/>
+            </a:prstGeom>
+            <a:solidFill>
+              <a:schemeClr val="accent1"/>
+            </a:solidFill>
+          </p:spPr>
+          <p:style>
+            <a:lnRef idx="2">
+              <a:schemeClr val="accent1">
+                <a:shade val="15000"/>
+              </a:schemeClr>
+            </a:lnRef>
+            <a:fillRef idx="1">
+              <a:schemeClr val="accent1"/>
+            </a:fillRef>
+            <a:effectRef idx="0">
+              <a:schemeClr val="accent1"/>
+            </a:effectRef>
+            <a:fontRef idx="minor">
+              <a:schemeClr val="lt1"/>
+            </a:fontRef>
+          </p:style>
+          <p:txBody>
+            <a:bodyPr rtlCol="0" anchor="ctr"/>
+            <a:lstStyle/>
+            <a:p>
+              <a:pPr algn="ctr"/>
+              <a:endParaRPr lang="ko-KR" altLang="en-US"/>
+            </a:p>
+          </p:txBody>
+        </p:sp>
+        <p:sp>
+          <p:nvSpPr>
+            <p:cNvPr id="26" name="타원 25">
+              <a:extLst>
+                <a:ext uri="{FF2B5EF4-FFF2-40B4-BE49-F238E27FC236}">
+                  <a16:creationId xmlns:a16="http://schemas.microsoft.com/office/drawing/2014/main" id="{CDF487C5-B575-8D06-0EFA-F3539BB92395}"/>
+                </a:ext>
+              </a:extLst>
+            </p:cNvPr>
+            <p:cNvSpPr/>
+            <p:nvPr/>
+          </p:nvSpPr>
+          <p:spPr>
+            <a:xfrm>
+              <a:off x="4080194" y="6086471"/>
+              <a:ext cx="45719" cy="45719"/>
+            </a:xfrm>
+            <a:prstGeom prst="ellipse">
+              <a:avLst/>
+            </a:prstGeom>
+            <a:solidFill>
+              <a:schemeClr val="accent1"/>
+            </a:solidFill>
+          </p:spPr>
+          <p:style>
+            <a:lnRef idx="2">
+              <a:schemeClr val="accent1">
+                <a:shade val="15000"/>
+              </a:schemeClr>
+            </a:lnRef>
+            <a:fillRef idx="1">
+              <a:schemeClr val="accent1"/>
+            </a:fillRef>
+            <a:effectRef idx="0">
+              <a:schemeClr val="accent1"/>
+            </a:effectRef>
+            <a:fontRef idx="minor">
+              <a:schemeClr val="lt1"/>
+            </a:fontRef>
+          </p:style>
+          <p:txBody>
+            <a:bodyPr rtlCol="0" anchor="ctr"/>
+            <a:lstStyle/>
+            <a:p>
+              <a:pPr algn="ctr"/>
+              <a:endParaRPr lang="ko-KR" altLang="en-US"/>
+            </a:p>
+          </p:txBody>
+        </p:sp>
+        <p:sp>
+          <p:nvSpPr>
+            <p:cNvPr id="27" name="타원 26">
+              <a:extLst>
+                <a:ext uri="{FF2B5EF4-FFF2-40B4-BE49-F238E27FC236}">
+                  <a16:creationId xmlns:a16="http://schemas.microsoft.com/office/drawing/2014/main" id="{300FA6BF-0A98-853A-63F4-7DCF06A7B380}"/>
+                </a:ext>
+              </a:extLst>
+            </p:cNvPr>
+            <p:cNvSpPr/>
+            <p:nvPr/>
+          </p:nvSpPr>
+          <p:spPr>
+            <a:xfrm>
+              <a:off x="4181997" y="6086471"/>
+              <a:ext cx="45719" cy="45719"/>
+            </a:xfrm>
+            <a:prstGeom prst="ellipse">
+              <a:avLst/>
+            </a:prstGeom>
+            <a:solidFill>
+              <a:schemeClr val="accent1"/>
+            </a:solidFill>
+          </p:spPr>
+          <p:style>
+            <a:lnRef idx="2">
+              <a:schemeClr val="accent1">
+                <a:shade val="15000"/>
+              </a:schemeClr>
+            </a:lnRef>
+            <a:fillRef idx="1">
+              <a:schemeClr val="accent1"/>
+            </a:fillRef>
+            <a:effectRef idx="0">
+              <a:schemeClr val="accent1"/>
+            </a:effectRef>
+            <a:fontRef idx="minor">
+              <a:schemeClr val="lt1"/>
+            </a:fontRef>
+          </p:style>
+          <p:txBody>
+            <a:bodyPr rtlCol="0" anchor="ctr"/>
+            <a:lstStyle/>
+            <a:p>
+              <a:pPr algn="ctr"/>
+              <a:endParaRPr lang="ko-KR" altLang="en-US"/>
+            </a:p>
+          </p:txBody>
+        </p:sp>
+        <p:sp>
+          <p:nvSpPr>
+            <p:cNvPr id="28" name="타원 27">
+              <a:extLst>
+                <a:ext uri="{FF2B5EF4-FFF2-40B4-BE49-F238E27FC236}">
+                  <a16:creationId xmlns:a16="http://schemas.microsoft.com/office/drawing/2014/main" id="{EA0F560F-E89A-D4D2-E585-CF881BD8D637}"/>
+                </a:ext>
+              </a:extLst>
+            </p:cNvPr>
+            <p:cNvSpPr/>
+            <p:nvPr/>
+          </p:nvSpPr>
+          <p:spPr>
+            <a:xfrm>
+              <a:off x="2021619" y="6013915"/>
+              <a:ext cx="45719" cy="45719"/>
+            </a:xfrm>
+            <a:prstGeom prst="ellipse">
+              <a:avLst/>
+            </a:prstGeom>
+            <a:solidFill>
+              <a:srgbClr val="FF0000"/>
+            </a:solidFill>
+          </p:spPr>
+          <p:style>
+            <a:lnRef idx="2">
+              <a:schemeClr val="accent1">
+                <a:shade val="15000"/>
+              </a:schemeClr>
+            </a:lnRef>
+            <a:fillRef idx="1">
+              <a:schemeClr val="accent1"/>
+            </a:fillRef>
+            <a:effectRef idx="0">
+              <a:schemeClr val="accent1"/>
+            </a:effectRef>
+            <a:fontRef idx="minor">
+              <a:schemeClr val="lt1"/>
+            </a:fontRef>
+          </p:style>
+          <p:txBody>
+            <a:bodyPr rtlCol="0" anchor="ctr"/>
+            <a:lstStyle/>
+            <a:p>
+              <a:pPr algn="ctr"/>
+              <a:endParaRPr lang="ko-KR" altLang="en-US"/>
+            </a:p>
+          </p:txBody>
+        </p:sp>
+        <p:sp>
+          <p:nvSpPr>
+            <p:cNvPr id="29" name="타원 28">
+              <a:extLst>
+                <a:ext uri="{FF2B5EF4-FFF2-40B4-BE49-F238E27FC236}">
+                  <a16:creationId xmlns:a16="http://schemas.microsoft.com/office/drawing/2014/main" id="{0C775FD7-E36F-939F-F947-458E23B4FC47}"/>
+                </a:ext>
+              </a:extLst>
+            </p:cNvPr>
+            <p:cNvSpPr/>
+            <p:nvPr/>
+          </p:nvSpPr>
+          <p:spPr>
+            <a:xfrm>
+              <a:off x="2019964" y="6069961"/>
+              <a:ext cx="45719" cy="45719"/>
+            </a:xfrm>
+            <a:prstGeom prst="ellipse">
+              <a:avLst/>
+            </a:prstGeom>
+            <a:solidFill>
+              <a:schemeClr val="tx1"/>
+            </a:solidFill>
+          </p:spPr>
+          <p:style>
+            <a:lnRef idx="2">
+              <a:schemeClr val="accent1">
+                <a:shade val="15000"/>
+              </a:schemeClr>
+            </a:lnRef>
+            <a:fillRef idx="1">
+              <a:schemeClr val="accent1"/>
+            </a:fillRef>
+            <a:effectRef idx="0">
+              <a:schemeClr val="accent1"/>
+            </a:effectRef>
+            <a:fontRef idx="minor">
+              <a:schemeClr val="lt1"/>
+            </a:fontRef>
+          </p:style>
+          <p:txBody>
+            <a:bodyPr rtlCol="0" anchor="ctr"/>
+            <a:lstStyle/>
+            <a:p>
+              <a:pPr algn="ctr"/>
+              <a:endParaRPr lang="ko-KR" altLang="en-US"/>
+            </a:p>
+          </p:txBody>
+        </p:sp>
+        <p:sp>
+          <p:nvSpPr>
+            <p:cNvPr id="30" name="타원 29">
+              <a:extLst>
+                <a:ext uri="{FF2B5EF4-FFF2-40B4-BE49-F238E27FC236}">
+                  <a16:creationId xmlns:a16="http://schemas.microsoft.com/office/drawing/2014/main" id="{C53553C5-BD1D-26E3-21A7-17794E960A01}"/>
+                </a:ext>
+              </a:extLst>
+            </p:cNvPr>
+            <p:cNvSpPr/>
+            <p:nvPr/>
+          </p:nvSpPr>
+          <p:spPr>
+            <a:xfrm>
+              <a:off x="2020805" y="5965021"/>
+              <a:ext cx="45719" cy="45719"/>
+            </a:xfrm>
+            <a:prstGeom prst="ellipse">
+              <a:avLst/>
+            </a:prstGeom>
+            <a:solidFill>
+              <a:srgbClr val="00B050"/>
+            </a:solidFill>
+          </p:spPr>
+          <p:style>
+            <a:lnRef idx="2">
+              <a:schemeClr val="accent1">
+                <a:shade val="15000"/>
+              </a:schemeClr>
+            </a:lnRef>
+            <a:fillRef idx="1">
+              <a:schemeClr val="accent1"/>
+            </a:fillRef>
+            <a:effectRef idx="0">
+              <a:schemeClr val="accent1"/>
+            </a:effectRef>
+            <a:fontRef idx="minor">
+              <a:schemeClr val="lt1"/>
+            </a:fontRef>
+          </p:style>
+          <p:txBody>
+            <a:bodyPr rtlCol="0" anchor="ctr"/>
+            <a:lstStyle/>
+            <a:p>
+              <a:pPr algn="ctr"/>
+              <a:endParaRPr lang="ko-KR" altLang="en-US"/>
+            </a:p>
+          </p:txBody>
+        </p:sp>
+        <p:sp>
+          <p:nvSpPr>
+            <p:cNvPr id="31" name="타원 30">
+              <a:extLst>
+                <a:ext uri="{FF2B5EF4-FFF2-40B4-BE49-F238E27FC236}">
+                  <a16:creationId xmlns:a16="http://schemas.microsoft.com/office/drawing/2014/main" id="{0ED00338-35CB-ECB1-3A9B-6927D750F1E6}"/>
+                </a:ext>
+              </a:extLst>
+            </p:cNvPr>
+            <p:cNvSpPr/>
+            <p:nvPr/>
+          </p:nvSpPr>
+          <p:spPr>
+            <a:xfrm>
+              <a:off x="2019963" y="5905800"/>
+              <a:ext cx="45719" cy="45719"/>
+            </a:xfrm>
+            <a:prstGeom prst="ellipse">
+              <a:avLst/>
+            </a:prstGeom>
+            <a:solidFill>
+              <a:srgbClr val="FFC000"/>
+            </a:solidFill>
+          </p:spPr>
+          <p:style>
+            <a:lnRef idx="2">
+              <a:schemeClr val="accent1">
+                <a:shade val="15000"/>
+              </a:schemeClr>
+            </a:lnRef>
+            <a:fillRef idx="1">
+              <a:schemeClr val="accent1"/>
+            </a:fillRef>
+            <a:effectRef idx="0">
+              <a:schemeClr val="accent1"/>
+            </a:effectRef>
+            <a:fontRef idx="minor">
+              <a:schemeClr val="lt1"/>
+            </a:fontRef>
+          </p:style>
+          <p:txBody>
+            <a:bodyPr rtlCol="0" anchor="ctr"/>
+            <a:lstStyle/>
+            <a:p>
+              <a:pPr algn="ctr"/>
+              <a:endParaRPr lang="ko-KR" altLang="en-US"/>
+            </a:p>
+          </p:txBody>
+        </p:sp>
+      </p:grpSp>
+      <p:grpSp>
+        <p:nvGrpSpPr>
+          <p:cNvPr id="52" name="그룹 51">
+            <a:extLst>
+              <a:ext uri="{FF2B5EF4-FFF2-40B4-BE49-F238E27FC236}">
+                <a16:creationId xmlns:a16="http://schemas.microsoft.com/office/drawing/2014/main" id="{200A90D4-66CC-1385-65C0-E6BA333E5958}"/>
+              </a:ext>
+            </a:extLst>
+          </p:cNvPr>
+          <p:cNvGrpSpPr/>
+          <p:nvPr/>
+        </p:nvGrpSpPr>
+        <p:grpSpPr>
+          <a:xfrm rot="16200000">
+            <a:off x="7616827" y="520164"/>
+            <a:ext cx="932033" cy="937438"/>
+            <a:chOff x="7683500" y="1643839"/>
+            <a:chExt cx="932033" cy="937438"/>
+          </a:xfrm>
+        </p:grpSpPr>
+        <p:pic>
+          <p:nvPicPr>
+            <p:cNvPr id="1028" name="Picture 4" descr="0.96 inch OLED I2C Display 128 x 64 Pixels compatible with Arduino and –  MONDUINO">
+              <a:extLst>
+                <a:ext uri="{FF2B5EF4-FFF2-40B4-BE49-F238E27FC236}">
+                  <a16:creationId xmlns:a16="http://schemas.microsoft.com/office/drawing/2014/main" id="{279437F3-0FEB-9058-A57E-3E4959960E0F}"/>
+                </a:ext>
+              </a:extLst>
+            </p:cNvPr>
+            <p:cNvPicPr>
+              <a:picLocks noChangeAspect="1" noChangeArrowheads="1"/>
+            </p:cNvPicPr>
+            <p:nvPr/>
+          </p:nvPicPr>
+          <p:blipFill rotWithShape="1">
+            <a:blip r:embed="rId4">
+              <a:extLst>
+                <a:ext uri="{28A0092B-C50C-407E-A947-70E740481C1C}">
+                  <a14:useLocalDpi xmlns:a14="http://schemas.microsoft.com/office/drawing/2010/main" val="0"/>
+                </a:ext>
+              </a:extLst>
+            </a:blip>
+            <a:srcRect l="15695" t="16276" r="15303" b="14322"/>
+            <a:stretch/>
+          </p:blipFill>
+          <p:spPr bwMode="auto">
+            <a:xfrm>
+              <a:off x="7683500" y="1643839"/>
+              <a:ext cx="932033" cy="937438"/>
+            </a:xfrm>
+            <a:prstGeom prst="rect">
+              <a:avLst/>
+            </a:prstGeom>
+            <a:noFill/>
+            <a:extLst>
+              <a:ext uri="{909E8E84-426E-40DD-AFC4-6F175D3DCCD1}">
+                <a14:hiddenFill xmlns:a14="http://schemas.microsoft.com/office/drawing/2010/main">
+                  <a:solidFill>
+                    <a:srgbClr val="FFFFFF"/>
+                  </a:solidFill>
+                </a14:hiddenFill>
+              </a:ext>
+            </a:extLst>
+          </p:spPr>
+        </p:pic>
+        <p:sp>
+          <p:nvSpPr>
+            <p:cNvPr id="34" name="타원 33">
+              <a:extLst>
+                <a:ext uri="{FF2B5EF4-FFF2-40B4-BE49-F238E27FC236}">
+                  <a16:creationId xmlns:a16="http://schemas.microsoft.com/office/drawing/2014/main" id="{857999B1-239E-84A1-3EB5-0D56F1200000}"/>
+                </a:ext>
+              </a:extLst>
+            </p:cNvPr>
+            <p:cNvSpPr/>
+            <p:nvPr/>
+          </p:nvSpPr>
+          <p:spPr>
+            <a:xfrm>
+              <a:off x="8256115" y="1651962"/>
+              <a:ext cx="61097" cy="61097"/>
+            </a:xfrm>
+            <a:prstGeom prst="ellipse">
+              <a:avLst/>
+            </a:prstGeom>
+            <a:solidFill>
+              <a:srgbClr val="00B050"/>
+            </a:solidFill>
+          </p:spPr>
+          <p:style>
+            <a:lnRef idx="2">
+              <a:schemeClr val="accent1">
+                <a:shade val="15000"/>
+              </a:schemeClr>
+            </a:lnRef>
+            <a:fillRef idx="1">
+              <a:schemeClr val="accent1"/>
+            </a:fillRef>
+            <a:effectRef idx="0">
+              <a:schemeClr val="accent1"/>
+            </a:effectRef>
+            <a:fontRef idx="minor">
+              <a:schemeClr val="lt1"/>
+            </a:fontRef>
+          </p:style>
+          <p:txBody>
+            <a:bodyPr rtlCol="0" anchor="ctr"/>
+            <a:lstStyle/>
+            <a:p>
+              <a:pPr algn="ctr"/>
+              <a:endParaRPr lang="ko-KR" altLang="en-US"/>
+            </a:p>
+          </p:txBody>
+        </p:sp>
+        <p:sp>
+          <p:nvSpPr>
+            <p:cNvPr id="35" name="타원 34">
+              <a:extLst>
+                <a:ext uri="{FF2B5EF4-FFF2-40B4-BE49-F238E27FC236}">
+                  <a16:creationId xmlns:a16="http://schemas.microsoft.com/office/drawing/2014/main" id="{2EDF2E1D-EAC4-6F35-CD83-C8F473F342CB}"/>
+                </a:ext>
+              </a:extLst>
+            </p:cNvPr>
+            <p:cNvSpPr/>
+            <p:nvPr/>
+          </p:nvSpPr>
+          <p:spPr>
+            <a:xfrm>
+              <a:off x="8155225" y="1655430"/>
+              <a:ext cx="61097" cy="61097"/>
+            </a:xfrm>
+            <a:prstGeom prst="ellipse">
+              <a:avLst/>
+            </a:prstGeom>
+            <a:solidFill>
+              <a:srgbClr val="FFC000"/>
+            </a:solidFill>
+          </p:spPr>
+          <p:style>
+            <a:lnRef idx="2">
+              <a:schemeClr val="accent1">
+                <a:shade val="15000"/>
+              </a:schemeClr>
+            </a:lnRef>
+            <a:fillRef idx="1">
+              <a:schemeClr val="accent1"/>
+            </a:fillRef>
+            <a:effectRef idx="0">
+              <a:schemeClr val="accent1"/>
+            </a:effectRef>
+            <a:fontRef idx="minor">
+              <a:schemeClr val="lt1"/>
+            </a:fontRef>
+          </p:style>
+          <p:txBody>
+            <a:bodyPr rtlCol="0" anchor="ctr"/>
+            <a:lstStyle/>
+            <a:p>
+              <a:pPr algn="ctr"/>
+              <a:endParaRPr lang="ko-KR" altLang="en-US"/>
+            </a:p>
+          </p:txBody>
+        </p:sp>
+        <p:sp>
+          <p:nvSpPr>
+            <p:cNvPr id="37" name="타원 36">
+              <a:extLst>
+                <a:ext uri="{FF2B5EF4-FFF2-40B4-BE49-F238E27FC236}">
+                  <a16:creationId xmlns:a16="http://schemas.microsoft.com/office/drawing/2014/main" id="{07D6B88E-5C63-16DD-2F79-A4E1C315B283}"/>
+                </a:ext>
+              </a:extLst>
+            </p:cNvPr>
+            <p:cNvSpPr/>
+            <p:nvPr/>
+          </p:nvSpPr>
+          <p:spPr>
+            <a:xfrm>
+              <a:off x="8084884" y="1661540"/>
+              <a:ext cx="51932" cy="48879"/>
+            </a:xfrm>
+            <a:prstGeom prst="ellipse">
+              <a:avLst/>
+            </a:prstGeom>
+            <a:solidFill>
+              <a:srgbClr val="FF0000"/>
+            </a:solidFill>
+          </p:spPr>
+          <p:style>
+            <a:lnRef idx="2">
+              <a:schemeClr val="accent1">
+                <a:shade val="15000"/>
+              </a:schemeClr>
+            </a:lnRef>
+            <a:fillRef idx="1">
+              <a:schemeClr val="accent1"/>
+            </a:fillRef>
+            <a:effectRef idx="0">
+              <a:schemeClr val="accent1"/>
+            </a:effectRef>
+            <a:fontRef idx="minor">
+              <a:schemeClr val="lt1"/>
+            </a:fontRef>
+          </p:style>
+          <p:txBody>
+            <a:bodyPr rtlCol="0" anchor="ctr"/>
+            <a:lstStyle/>
+            <a:p>
+              <a:pPr algn="ctr"/>
+              <a:endParaRPr lang="ko-KR" altLang="en-US"/>
+            </a:p>
+          </p:txBody>
+        </p:sp>
+        <p:sp>
+          <p:nvSpPr>
+            <p:cNvPr id="51" name="타원 50">
+              <a:extLst>
+                <a:ext uri="{FF2B5EF4-FFF2-40B4-BE49-F238E27FC236}">
+                  <a16:creationId xmlns:a16="http://schemas.microsoft.com/office/drawing/2014/main" id="{365530A8-7D93-5C09-29EC-F0A382B2B1FC}"/>
+                </a:ext>
+              </a:extLst>
+            </p:cNvPr>
+            <p:cNvSpPr/>
+            <p:nvPr/>
+          </p:nvSpPr>
+          <p:spPr>
+            <a:xfrm>
+              <a:off x="7983994" y="1661540"/>
+              <a:ext cx="51932" cy="48879"/>
+            </a:xfrm>
+            <a:prstGeom prst="ellipse">
+              <a:avLst/>
+            </a:prstGeom>
+            <a:solidFill>
+              <a:schemeClr val="tx1"/>
+            </a:solidFill>
+          </p:spPr>
+          <p:style>
+            <a:lnRef idx="2">
+              <a:schemeClr val="accent1">
+                <a:shade val="15000"/>
+              </a:schemeClr>
+            </a:lnRef>
+            <a:fillRef idx="1">
+              <a:schemeClr val="accent1"/>
+            </a:fillRef>
+            <a:effectRef idx="0">
+              <a:schemeClr val="accent1"/>
+            </a:effectRef>
+            <a:fontRef idx="minor">
+              <a:schemeClr val="lt1"/>
+            </a:fontRef>
+          </p:style>
+          <p:txBody>
+            <a:bodyPr rtlCol="0" anchor="ctr"/>
+            <a:lstStyle/>
+            <a:p>
+              <a:pPr algn="ctr"/>
+              <a:endParaRPr lang="ko-KR" altLang="en-US"/>
+            </a:p>
+          </p:txBody>
+        </p:sp>
+      </p:grpSp>
+      <p:grpSp>
+        <p:nvGrpSpPr>
+          <p:cNvPr id="53" name="그룹 52">
+            <a:extLst>
+              <a:ext uri="{FF2B5EF4-FFF2-40B4-BE49-F238E27FC236}">
+                <a16:creationId xmlns:a16="http://schemas.microsoft.com/office/drawing/2014/main" id="{D892638D-DBEB-01BB-514B-48938AE67617}"/>
+              </a:ext>
+            </a:extLst>
+          </p:cNvPr>
+          <p:cNvGrpSpPr/>
+          <p:nvPr/>
+        </p:nvGrpSpPr>
+        <p:grpSpPr>
+          <a:xfrm rot="16200000">
+            <a:off x="7616827" y="1470605"/>
+            <a:ext cx="932033" cy="937438"/>
+            <a:chOff x="7683500" y="1643839"/>
+            <a:chExt cx="932033" cy="937438"/>
+          </a:xfrm>
+        </p:grpSpPr>
+        <p:pic>
+          <p:nvPicPr>
+            <p:cNvPr id="54" name="Picture 4" descr="0.96 inch OLED I2C Display 128 x 64 Pixels compatible with Arduino and –  MONDUINO">
+              <a:extLst>
+                <a:ext uri="{FF2B5EF4-FFF2-40B4-BE49-F238E27FC236}">
+                  <a16:creationId xmlns:a16="http://schemas.microsoft.com/office/drawing/2014/main" id="{78936CA7-C7AC-3804-4163-93B54A5C60E4}"/>
+                </a:ext>
+              </a:extLst>
+            </p:cNvPr>
+            <p:cNvPicPr>
+              <a:picLocks noChangeAspect="1" noChangeArrowheads="1"/>
+            </p:cNvPicPr>
+            <p:nvPr/>
+          </p:nvPicPr>
+          <p:blipFill rotWithShape="1">
+            <a:blip r:embed="rId4">
+              <a:extLst>
+                <a:ext uri="{28A0092B-C50C-407E-A947-70E740481C1C}">
+                  <a14:useLocalDpi xmlns:a14="http://schemas.microsoft.com/office/drawing/2010/main" val="0"/>
+                </a:ext>
+              </a:extLst>
+            </a:blip>
+            <a:srcRect l="15695" t="16276" r="15303" b="14322"/>
+            <a:stretch/>
+          </p:blipFill>
+          <p:spPr bwMode="auto">
+            <a:xfrm>
+              <a:off x="7683500" y="1643839"/>
+              <a:ext cx="932033" cy="937438"/>
+            </a:xfrm>
+            <a:prstGeom prst="rect">
+              <a:avLst/>
+            </a:prstGeom>
+            <a:noFill/>
+            <a:extLst>
+              <a:ext uri="{909E8E84-426E-40DD-AFC4-6F175D3DCCD1}">
+                <a14:hiddenFill xmlns:a14="http://schemas.microsoft.com/office/drawing/2010/main">
+                  <a:solidFill>
+                    <a:srgbClr val="FFFFFF"/>
+                  </a:solidFill>
+                </a14:hiddenFill>
+              </a:ext>
+            </a:extLst>
+          </p:spPr>
+        </p:pic>
+        <p:sp>
+          <p:nvSpPr>
+            <p:cNvPr id="55" name="타원 54">
+              <a:extLst>
+                <a:ext uri="{FF2B5EF4-FFF2-40B4-BE49-F238E27FC236}">
+                  <a16:creationId xmlns:a16="http://schemas.microsoft.com/office/drawing/2014/main" id="{8836569D-18FD-ADD0-58FD-291395EACFC4}"/>
+                </a:ext>
+              </a:extLst>
+            </p:cNvPr>
+            <p:cNvSpPr/>
+            <p:nvPr/>
+          </p:nvSpPr>
+          <p:spPr>
+            <a:xfrm>
+              <a:off x="8256115" y="1651962"/>
+              <a:ext cx="61097" cy="61097"/>
+            </a:xfrm>
+            <a:prstGeom prst="ellipse">
+              <a:avLst/>
+            </a:prstGeom>
+            <a:solidFill>
+              <a:srgbClr val="00B050"/>
+            </a:solidFill>
+          </p:spPr>
+          <p:style>
+            <a:lnRef idx="2">
+              <a:schemeClr val="accent1">
+                <a:shade val="15000"/>
+              </a:schemeClr>
+            </a:lnRef>
+            <a:fillRef idx="1">
+              <a:schemeClr val="accent1"/>
+            </a:fillRef>
+            <a:effectRef idx="0">
+              <a:schemeClr val="accent1"/>
+            </a:effectRef>
+            <a:fontRef idx="minor">
+              <a:schemeClr val="lt1"/>
+            </a:fontRef>
+          </p:style>
+          <p:txBody>
+            <a:bodyPr rtlCol="0" anchor="ctr"/>
+            <a:lstStyle/>
+            <a:p>
+              <a:pPr algn="ctr"/>
+              <a:endParaRPr lang="ko-KR" altLang="en-US"/>
+            </a:p>
+          </p:txBody>
+        </p:sp>
+        <p:sp>
+          <p:nvSpPr>
+            <p:cNvPr id="56" name="타원 55">
+              <a:extLst>
+                <a:ext uri="{FF2B5EF4-FFF2-40B4-BE49-F238E27FC236}">
+                  <a16:creationId xmlns:a16="http://schemas.microsoft.com/office/drawing/2014/main" id="{3C546627-E149-3B93-EFAA-A6A0DE9B1770}"/>
+                </a:ext>
+              </a:extLst>
+            </p:cNvPr>
+            <p:cNvSpPr/>
+            <p:nvPr/>
+          </p:nvSpPr>
+          <p:spPr>
+            <a:xfrm>
+              <a:off x="8155225" y="1655430"/>
+              <a:ext cx="61097" cy="61097"/>
+            </a:xfrm>
+            <a:prstGeom prst="ellipse">
+              <a:avLst/>
+            </a:prstGeom>
+            <a:solidFill>
+              <a:srgbClr val="FFC000"/>
+            </a:solidFill>
+          </p:spPr>
+          <p:style>
+            <a:lnRef idx="2">
+              <a:schemeClr val="accent1">
+                <a:shade val="15000"/>
+              </a:schemeClr>
+            </a:lnRef>
+            <a:fillRef idx="1">
+              <a:schemeClr val="accent1"/>
+            </a:fillRef>
+            <a:effectRef idx="0">
+              <a:schemeClr val="accent1"/>
+            </a:effectRef>
+            <a:fontRef idx="minor">
+              <a:schemeClr val="lt1"/>
+            </a:fontRef>
+          </p:style>
+          <p:txBody>
+            <a:bodyPr rtlCol="0" anchor="ctr"/>
+            <a:lstStyle/>
+            <a:p>
+              <a:pPr algn="ctr"/>
+              <a:endParaRPr lang="ko-KR" altLang="en-US"/>
+            </a:p>
+          </p:txBody>
+        </p:sp>
+        <p:sp>
+          <p:nvSpPr>
+            <p:cNvPr id="57" name="타원 56">
+              <a:extLst>
+                <a:ext uri="{FF2B5EF4-FFF2-40B4-BE49-F238E27FC236}">
+                  <a16:creationId xmlns:a16="http://schemas.microsoft.com/office/drawing/2014/main" id="{609F5F48-89E8-5B40-63C9-A2277544022C}"/>
+                </a:ext>
+              </a:extLst>
+            </p:cNvPr>
+            <p:cNvSpPr/>
+            <p:nvPr/>
+          </p:nvSpPr>
+          <p:spPr>
+            <a:xfrm>
+              <a:off x="8084884" y="1661540"/>
+              <a:ext cx="51932" cy="48879"/>
+            </a:xfrm>
+            <a:prstGeom prst="ellipse">
+              <a:avLst/>
+            </a:prstGeom>
+            <a:solidFill>
+              <a:srgbClr val="FF0000"/>
+            </a:solidFill>
+          </p:spPr>
+          <p:style>
+            <a:lnRef idx="2">
+              <a:schemeClr val="accent1">
+                <a:shade val="15000"/>
+              </a:schemeClr>
+            </a:lnRef>
+            <a:fillRef idx="1">
+              <a:schemeClr val="accent1"/>
+            </a:fillRef>
+            <a:effectRef idx="0">
+              <a:schemeClr val="accent1"/>
+            </a:effectRef>
+            <a:fontRef idx="minor">
+              <a:schemeClr val="lt1"/>
+            </a:fontRef>
+          </p:style>
+          <p:txBody>
+            <a:bodyPr rtlCol="0" anchor="ctr"/>
+            <a:lstStyle/>
+            <a:p>
+              <a:pPr algn="ctr"/>
+              <a:endParaRPr lang="ko-KR" altLang="en-US"/>
+            </a:p>
+          </p:txBody>
+        </p:sp>
+        <p:sp>
+          <p:nvSpPr>
+            <p:cNvPr id="58" name="타원 57">
+              <a:extLst>
+                <a:ext uri="{FF2B5EF4-FFF2-40B4-BE49-F238E27FC236}">
+                  <a16:creationId xmlns:a16="http://schemas.microsoft.com/office/drawing/2014/main" id="{B297150E-3193-C6FF-0818-66E3B262750C}"/>
+                </a:ext>
+              </a:extLst>
+            </p:cNvPr>
+            <p:cNvSpPr/>
+            <p:nvPr/>
+          </p:nvSpPr>
+          <p:spPr>
+            <a:xfrm>
+              <a:off x="7983994" y="1661540"/>
+              <a:ext cx="51932" cy="48879"/>
+            </a:xfrm>
+            <a:prstGeom prst="ellipse">
+              <a:avLst/>
+            </a:prstGeom>
+            <a:solidFill>
+              <a:schemeClr val="tx1"/>
+            </a:solidFill>
+          </p:spPr>
+          <p:style>
+            <a:lnRef idx="2">
+              <a:schemeClr val="accent1">
+                <a:shade val="15000"/>
+              </a:schemeClr>
+            </a:lnRef>
+            <a:fillRef idx="1">
+              <a:schemeClr val="accent1"/>
+            </a:fillRef>
+            <a:effectRef idx="0">
+              <a:schemeClr val="accent1"/>
+            </a:effectRef>
+            <a:fontRef idx="minor">
+              <a:schemeClr val="lt1"/>
+            </a:fontRef>
+          </p:style>
+          <p:txBody>
+            <a:bodyPr rtlCol="0" anchor="ctr"/>
+            <a:lstStyle/>
+            <a:p>
+              <a:pPr algn="ctr"/>
+              <a:endParaRPr lang="ko-KR" altLang="en-US"/>
+            </a:p>
+          </p:txBody>
+        </p:sp>
+      </p:grpSp>
+      <p:grpSp>
+        <p:nvGrpSpPr>
+          <p:cNvPr id="59" name="그룹 58">
+            <a:extLst>
+              <a:ext uri="{FF2B5EF4-FFF2-40B4-BE49-F238E27FC236}">
+                <a16:creationId xmlns:a16="http://schemas.microsoft.com/office/drawing/2014/main" id="{F254484C-A4D4-1767-4FED-034D56B148BA}"/>
+              </a:ext>
+            </a:extLst>
+          </p:cNvPr>
+          <p:cNvGrpSpPr/>
+          <p:nvPr/>
+        </p:nvGrpSpPr>
+        <p:grpSpPr>
+          <a:xfrm rot="16200000">
+            <a:off x="7621694" y="2421045"/>
+            <a:ext cx="932033" cy="937438"/>
+            <a:chOff x="7683500" y="1643839"/>
+            <a:chExt cx="932033" cy="937438"/>
+          </a:xfrm>
+        </p:grpSpPr>
+        <p:pic>
+          <p:nvPicPr>
+            <p:cNvPr id="60" name="Picture 4" descr="0.96 inch OLED I2C Display 128 x 64 Pixels compatible with Arduino and –  MONDUINO">
+              <a:extLst>
+                <a:ext uri="{FF2B5EF4-FFF2-40B4-BE49-F238E27FC236}">
+                  <a16:creationId xmlns:a16="http://schemas.microsoft.com/office/drawing/2014/main" id="{C7EF9351-5455-823F-016F-A9831A03B305}"/>
+                </a:ext>
+              </a:extLst>
+            </p:cNvPr>
+            <p:cNvPicPr>
+              <a:picLocks noChangeAspect="1" noChangeArrowheads="1"/>
+            </p:cNvPicPr>
+            <p:nvPr/>
+          </p:nvPicPr>
+          <p:blipFill rotWithShape="1">
+            <a:blip r:embed="rId4">
+              <a:extLst>
+                <a:ext uri="{28A0092B-C50C-407E-A947-70E740481C1C}">
+                  <a14:useLocalDpi xmlns:a14="http://schemas.microsoft.com/office/drawing/2010/main" val="0"/>
+                </a:ext>
+              </a:extLst>
+            </a:blip>
+            <a:srcRect l="15695" t="16276" r="15303" b="14322"/>
+            <a:stretch/>
+          </p:blipFill>
+          <p:spPr bwMode="auto">
+            <a:xfrm>
+              <a:off x="7683500" y="1643839"/>
+              <a:ext cx="932033" cy="937438"/>
+            </a:xfrm>
+            <a:prstGeom prst="rect">
+              <a:avLst/>
+            </a:prstGeom>
+            <a:noFill/>
+            <a:extLst>
+              <a:ext uri="{909E8E84-426E-40DD-AFC4-6F175D3DCCD1}">
+                <a14:hiddenFill xmlns:a14="http://schemas.microsoft.com/office/drawing/2010/main">
+                  <a:solidFill>
+                    <a:srgbClr val="FFFFFF"/>
+                  </a:solidFill>
+                </a14:hiddenFill>
+              </a:ext>
+            </a:extLst>
+          </p:spPr>
+        </p:pic>
+        <p:sp>
+          <p:nvSpPr>
+            <p:cNvPr id="61" name="타원 60">
+              <a:extLst>
+                <a:ext uri="{FF2B5EF4-FFF2-40B4-BE49-F238E27FC236}">
+                  <a16:creationId xmlns:a16="http://schemas.microsoft.com/office/drawing/2014/main" id="{17D78BAF-0525-1749-300D-CD799B0F7DCA}"/>
+                </a:ext>
+              </a:extLst>
+            </p:cNvPr>
+            <p:cNvSpPr/>
+            <p:nvPr/>
+          </p:nvSpPr>
+          <p:spPr>
+            <a:xfrm>
+              <a:off x="8256115" y="1651962"/>
+              <a:ext cx="61097" cy="61097"/>
+            </a:xfrm>
+            <a:prstGeom prst="ellipse">
+              <a:avLst/>
+            </a:prstGeom>
+            <a:solidFill>
+              <a:srgbClr val="00B050"/>
+            </a:solidFill>
+          </p:spPr>
+          <p:style>
+            <a:lnRef idx="2">
+              <a:schemeClr val="accent1">
+                <a:shade val="15000"/>
+              </a:schemeClr>
+            </a:lnRef>
+            <a:fillRef idx="1">
+              <a:schemeClr val="accent1"/>
+            </a:fillRef>
+            <a:effectRef idx="0">
+              <a:schemeClr val="accent1"/>
+            </a:effectRef>
+            <a:fontRef idx="minor">
+              <a:schemeClr val="lt1"/>
+            </a:fontRef>
+          </p:style>
+          <p:txBody>
+            <a:bodyPr rtlCol="0" anchor="ctr"/>
+            <a:lstStyle/>
+            <a:p>
+              <a:pPr algn="ctr"/>
+              <a:endParaRPr lang="ko-KR" altLang="en-US"/>
+            </a:p>
+          </p:txBody>
+        </p:sp>
+        <p:sp>
+          <p:nvSpPr>
+            <p:cNvPr id="62" name="타원 61">
+              <a:extLst>
+                <a:ext uri="{FF2B5EF4-FFF2-40B4-BE49-F238E27FC236}">
+                  <a16:creationId xmlns:a16="http://schemas.microsoft.com/office/drawing/2014/main" id="{B8F16D50-A6D8-5B6C-4C1F-05B5FE986CAC}"/>
+                </a:ext>
+              </a:extLst>
+            </p:cNvPr>
+            <p:cNvSpPr/>
+            <p:nvPr/>
+          </p:nvSpPr>
+          <p:spPr>
+            <a:xfrm>
+              <a:off x="8155225" y="1655430"/>
+              <a:ext cx="61097" cy="61097"/>
+            </a:xfrm>
+            <a:prstGeom prst="ellipse">
+              <a:avLst/>
+            </a:prstGeom>
+            <a:solidFill>
+              <a:srgbClr val="FFC000"/>
+            </a:solidFill>
+          </p:spPr>
+          <p:style>
+            <a:lnRef idx="2">
+              <a:schemeClr val="accent1">
+                <a:shade val="15000"/>
+              </a:schemeClr>
+            </a:lnRef>
+            <a:fillRef idx="1">
+              <a:schemeClr val="accent1"/>
+            </a:fillRef>
+            <a:effectRef idx="0">
+              <a:schemeClr val="accent1"/>
+            </a:effectRef>
+            <a:fontRef idx="minor">
+              <a:schemeClr val="lt1"/>
+            </a:fontRef>
+          </p:style>
+          <p:txBody>
+            <a:bodyPr rtlCol="0" anchor="ctr"/>
+            <a:lstStyle/>
+            <a:p>
+              <a:pPr algn="ctr"/>
+              <a:endParaRPr lang="ko-KR" altLang="en-US"/>
+            </a:p>
+          </p:txBody>
+        </p:sp>
+        <p:sp>
+          <p:nvSpPr>
+            <p:cNvPr id="63" name="타원 62">
+              <a:extLst>
+                <a:ext uri="{FF2B5EF4-FFF2-40B4-BE49-F238E27FC236}">
+                  <a16:creationId xmlns:a16="http://schemas.microsoft.com/office/drawing/2014/main" id="{858CE315-61B2-EA43-DC83-993B75B5124E}"/>
+                </a:ext>
+              </a:extLst>
+            </p:cNvPr>
+            <p:cNvSpPr/>
+            <p:nvPr/>
+          </p:nvSpPr>
+          <p:spPr>
+            <a:xfrm>
+              <a:off x="8084884" y="1661540"/>
+              <a:ext cx="51932" cy="48879"/>
+            </a:xfrm>
+            <a:prstGeom prst="ellipse">
+              <a:avLst/>
+            </a:prstGeom>
+            <a:solidFill>
+              <a:srgbClr val="FF0000"/>
+            </a:solidFill>
+          </p:spPr>
+          <p:style>
+            <a:lnRef idx="2">
+              <a:schemeClr val="accent1">
+                <a:shade val="15000"/>
+              </a:schemeClr>
+            </a:lnRef>
+            <a:fillRef idx="1">
+              <a:schemeClr val="accent1"/>
+            </a:fillRef>
+            <a:effectRef idx="0">
+              <a:schemeClr val="accent1"/>
+            </a:effectRef>
+            <a:fontRef idx="minor">
+              <a:schemeClr val="lt1"/>
+            </a:fontRef>
+          </p:style>
+          <p:txBody>
+            <a:bodyPr rtlCol="0" anchor="ctr"/>
+            <a:lstStyle/>
+            <a:p>
+              <a:pPr algn="ctr"/>
+              <a:endParaRPr lang="ko-KR" altLang="en-US"/>
+            </a:p>
+          </p:txBody>
+        </p:sp>
+        <p:sp>
+          <p:nvSpPr>
+            <p:cNvPr id="1024" name="타원 1023">
+              <a:extLst>
+                <a:ext uri="{FF2B5EF4-FFF2-40B4-BE49-F238E27FC236}">
+                  <a16:creationId xmlns:a16="http://schemas.microsoft.com/office/drawing/2014/main" id="{6C69E88A-ECFE-844D-D89F-FEDA3B77A20D}"/>
+                </a:ext>
+              </a:extLst>
+            </p:cNvPr>
+            <p:cNvSpPr/>
+            <p:nvPr/>
+          </p:nvSpPr>
+          <p:spPr>
+            <a:xfrm>
+              <a:off x="7983994" y="1661540"/>
+              <a:ext cx="51932" cy="48879"/>
+            </a:xfrm>
+            <a:prstGeom prst="ellipse">
+              <a:avLst/>
+            </a:prstGeom>
+            <a:solidFill>
+              <a:schemeClr val="tx1"/>
+            </a:solidFill>
+          </p:spPr>
+          <p:style>
+            <a:lnRef idx="2">
+              <a:schemeClr val="accent1">
+                <a:shade val="15000"/>
+              </a:schemeClr>
+            </a:lnRef>
+            <a:fillRef idx="1">
+              <a:schemeClr val="accent1"/>
+            </a:fillRef>
+            <a:effectRef idx="0">
+              <a:schemeClr val="accent1"/>
+            </a:effectRef>
+            <a:fontRef idx="minor">
+              <a:schemeClr val="lt1"/>
+            </a:fontRef>
+          </p:style>
+          <p:txBody>
+            <a:bodyPr rtlCol="0" anchor="ctr"/>
+            <a:lstStyle/>
+            <a:p>
+              <a:pPr algn="ctr"/>
+              <a:endParaRPr lang="ko-KR" altLang="en-US"/>
+            </a:p>
+          </p:txBody>
+        </p:sp>
+      </p:grpSp>
+      <p:grpSp>
+        <p:nvGrpSpPr>
+          <p:cNvPr id="1025" name="그룹 1024">
+            <a:extLst>
+              <a:ext uri="{FF2B5EF4-FFF2-40B4-BE49-F238E27FC236}">
+                <a16:creationId xmlns:a16="http://schemas.microsoft.com/office/drawing/2014/main" id="{BC42C8AA-6709-A8E6-4A64-377AED00D427}"/>
+              </a:ext>
+            </a:extLst>
+          </p:cNvPr>
+          <p:cNvGrpSpPr/>
+          <p:nvPr/>
+        </p:nvGrpSpPr>
+        <p:grpSpPr>
+          <a:xfrm rot="16200000">
+            <a:off x="7624951" y="3365545"/>
+            <a:ext cx="932033" cy="937438"/>
+            <a:chOff x="7683500" y="1643839"/>
+            <a:chExt cx="932033" cy="937438"/>
+          </a:xfrm>
+        </p:grpSpPr>
+        <p:pic>
+          <p:nvPicPr>
+            <p:cNvPr id="1027" name="Picture 4" descr="0.96 inch OLED I2C Display 128 x 64 Pixels compatible with Arduino and –  MONDUINO">
+              <a:extLst>
+                <a:ext uri="{FF2B5EF4-FFF2-40B4-BE49-F238E27FC236}">
+                  <a16:creationId xmlns:a16="http://schemas.microsoft.com/office/drawing/2014/main" id="{D68E95CB-513C-DEFE-8A18-44C24AB892B4}"/>
+                </a:ext>
+              </a:extLst>
+            </p:cNvPr>
+            <p:cNvPicPr>
+              <a:picLocks noChangeAspect="1" noChangeArrowheads="1"/>
+            </p:cNvPicPr>
+            <p:nvPr/>
+          </p:nvPicPr>
+          <p:blipFill rotWithShape="1">
+            <a:blip r:embed="rId4">
+              <a:extLst>
+                <a:ext uri="{28A0092B-C50C-407E-A947-70E740481C1C}">
+                  <a14:useLocalDpi xmlns:a14="http://schemas.microsoft.com/office/drawing/2010/main" val="0"/>
+                </a:ext>
+              </a:extLst>
+            </a:blip>
+            <a:srcRect l="15695" t="16276" r="15303" b="14322"/>
+            <a:stretch/>
+          </p:blipFill>
+          <p:spPr bwMode="auto">
+            <a:xfrm>
+              <a:off x="7683500" y="1643839"/>
+              <a:ext cx="932033" cy="937438"/>
+            </a:xfrm>
+            <a:prstGeom prst="rect">
+              <a:avLst/>
+            </a:prstGeom>
+            <a:noFill/>
+            <a:extLst>
+              <a:ext uri="{909E8E84-426E-40DD-AFC4-6F175D3DCCD1}">
+                <a14:hiddenFill xmlns:a14="http://schemas.microsoft.com/office/drawing/2010/main">
+                  <a:solidFill>
+                    <a:srgbClr val="FFFFFF"/>
+                  </a:solidFill>
+                </a14:hiddenFill>
+              </a:ext>
+            </a:extLst>
+          </p:spPr>
+        </p:pic>
+        <p:sp>
+          <p:nvSpPr>
+            <p:cNvPr id="1029" name="타원 1028">
+              <a:extLst>
+                <a:ext uri="{FF2B5EF4-FFF2-40B4-BE49-F238E27FC236}">
+                  <a16:creationId xmlns:a16="http://schemas.microsoft.com/office/drawing/2014/main" id="{DDD6D9B6-B515-B9E0-EECC-A0766FBC0750}"/>
+                </a:ext>
+              </a:extLst>
+            </p:cNvPr>
+            <p:cNvSpPr/>
+            <p:nvPr/>
+          </p:nvSpPr>
+          <p:spPr>
+            <a:xfrm>
+              <a:off x="8256115" y="1651962"/>
+              <a:ext cx="61097" cy="61097"/>
+            </a:xfrm>
+            <a:prstGeom prst="ellipse">
+              <a:avLst/>
+            </a:prstGeom>
+            <a:solidFill>
+              <a:srgbClr val="00B050"/>
+            </a:solidFill>
+          </p:spPr>
+          <p:style>
+            <a:lnRef idx="2">
+              <a:schemeClr val="accent1">
+                <a:shade val="15000"/>
+              </a:schemeClr>
+            </a:lnRef>
+            <a:fillRef idx="1">
+              <a:schemeClr val="accent1"/>
+            </a:fillRef>
+            <a:effectRef idx="0">
+              <a:schemeClr val="accent1"/>
+            </a:effectRef>
+            <a:fontRef idx="minor">
+              <a:schemeClr val="lt1"/>
+            </a:fontRef>
+          </p:style>
+          <p:txBody>
+            <a:bodyPr rtlCol="0" anchor="ctr"/>
+            <a:lstStyle/>
+            <a:p>
+              <a:pPr algn="ctr"/>
+              <a:endParaRPr lang="ko-KR" altLang="en-US"/>
+            </a:p>
+          </p:txBody>
+        </p:sp>
+        <p:sp>
+          <p:nvSpPr>
+            <p:cNvPr id="1030" name="타원 1029">
+              <a:extLst>
+                <a:ext uri="{FF2B5EF4-FFF2-40B4-BE49-F238E27FC236}">
+                  <a16:creationId xmlns:a16="http://schemas.microsoft.com/office/drawing/2014/main" id="{E24B6B67-9A56-61C7-007F-0864327DEAD3}"/>
+                </a:ext>
+              </a:extLst>
+            </p:cNvPr>
+            <p:cNvSpPr/>
+            <p:nvPr/>
+          </p:nvSpPr>
+          <p:spPr>
+            <a:xfrm>
+              <a:off x="8155225" y="1655430"/>
+              <a:ext cx="61097" cy="61097"/>
+            </a:xfrm>
+            <a:prstGeom prst="ellipse">
+              <a:avLst/>
+            </a:prstGeom>
+            <a:solidFill>
+              <a:srgbClr val="FFC000"/>
+            </a:solidFill>
+          </p:spPr>
+          <p:style>
+            <a:lnRef idx="2">
+              <a:schemeClr val="accent1">
+                <a:shade val="15000"/>
+              </a:schemeClr>
+            </a:lnRef>
+            <a:fillRef idx="1">
+              <a:schemeClr val="accent1"/>
+            </a:fillRef>
+            <a:effectRef idx="0">
+              <a:schemeClr val="accent1"/>
+            </a:effectRef>
+            <a:fontRef idx="minor">
+              <a:schemeClr val="lt1"/>
+            </a:fontRef>
+          </p:style>
+          <p:txBody>
+            <a:bodyPr rtlCol="0" anchor="ctr"/>
+            <a:lstStyle/>
+            <a:p>
+              <a:pPr algn="ctr"/>
+              <a:endParaRPr lang="ko-KR" altLang="en-US"/>
+            </a:p>
+          </p:txBody>
+        </p:sp>
+        <p:sp>
+          <p:nvSpPr>
+            <p:cNvPr id="1031" name="타원 1030">
+              <a:extLst>
+                <a:ext uri="{FF2B5EF4-FFF2-40B4-BE49-F238E27FC236}">
+                  <a16:creationId xmlns:a16="http://schemas.microsoft.com/office/drawing/2014/main" id="{3A763BA1-B503-9531-C799-6715ECF0DDCF}"/>
+                </a:ext>
+              </a:extLst>
+            </p:cNvPr>
+            <p:cNvSpPr/>
+            <p:nvPr/>
+          </p:nvSpPr>
+          <p:spPr>
+            <a:xfrm>
+              <a:off x="8084884" y="1661540"/>
+              <a:ext cx="51932" cy="48879"/>
+            </a:xfrm>
+            <a:prstGeom prst="ellipse">
+              <a:avLst/>
+            </a:prstGeom>
+            <a:solidFill>
+              <a:srgbClr val="FF0000"/>
+            </a:solidFill>
+          </p:spPr>
+          <p:style>
+            <a:lnRef idx="2">
+              <a:schemeClr val="accent1">
+                <a:shade val="15000"/>
+              </a:schemeClr>
+            </a:lnRef>
+            <a:fillRef idx="1">
+              <a:schemeClr val="accent1"/>
+            </a:fillRef>
+            <a:effectRef idx="0">
+              <a:schemeClr val="accent1"/>
+            </a:effectRef>
+            <a:fontRef idx="minor">
+              <a:schemeClr val="lt1"/>
+            </a:fontRef>
+          </p:style>
+          <p:txBody>
+            <a:bodyPr rtlCol="0" anchor="ctr"/>
+            <a:lstStyle/>
+            <a:p>
+              <a:pPr algn="ctr"/>
+              <a:endParaRPr lang="ko-KR" altLang="en-US"/>
+            </a:p>
+          </p:txBody>
+        </p:sp>
+        <p:sp>
+          <p:nvSpPr>
+            <p:cNvPr id="1032" name="타원 1031">
+              <a:extLst>
+                <a:ext uri="{FF2B5EF4-FFF2-40B4-BE49-F238E27FC236}">
+                  <a16:creationId xmlns:a16="http://schemas.microsoft.com/office/drawing/2014/main" id="{E3DF2A31-FBC3-93B6-59C2-4DE0FF09DE1A}"/>
+                </a:ext>
+              </a:extLst>
+            </p:cNvPr>
+            <p:cNvSpPr/>
+            <p:nvPr/>
+          </p:nvSpPr>
+          <p:spPr>
+            <a:xfrm>
+              <a:off x="7983994" y="1661540"/>
+              <a:ext cx="51932" cy="48879"/>
+            </a:xfrm>
+            <a:prstGeom prst="ellipse">
+              <a:avLst/>
+            </a:prstGeom>
+            <a:solidFill>
+              <a:schemeClr val="tx1"/>
+            </a:solidFill>
+          </p:spPr>
+          <p:style>
+            <a:lnRef idx="2">
+              <a:schemeClr val="accent1">
+                <a:shade val="15000"/>
+              </a:schemeClr>
+            </a:lnRef>
+            <a:fillRef idx="1">
+              <a:schemeClr val="accent1"/>
+            </a:fillRef>
+            <a:effectRef idx="0">
+              <a:schemeClr val="accent1"/>
+            </a:effectRef>
+            <a:fontRef idx="minor">
+              <a:schemeClr val="lt1"/>
+            </a:fontRef>
+          </p:style>
+          <p:txBody>
+            <a:bodyPr rtlCol="0" anchor="ctr"/>
+            <a:lstStyle/>
+            <a:p>
+              <a:pPr algn="ctr"/>
+              <a:endParaRPr lang="ko-KR" altLang="en-US"/>
+            </a:p>
+          </p:txBody>
+        </p:sp>
+      </p:grpSp>
+      <p:grpSp>
+        <p:nvGrpSpPr>
+          <p:cNvPr id="1033" name="그룹 1032">
+            <a:extLst>
+              <a:ext uri="{FF2B5EF4-FFF2-40B4-BE49-F238E27FC236}">
+                <a16:creationId xmlns:a16="http://schemas.microsoft.com/office/drawing/2014/main" id="{40FF1901-8AD0-4BD1-7859-F6CA4086D51C}"/>
+              </a:ext>
+            </a:extLst>
+          </p:cNvPr>
+          <p:cNvGrpSpPr/>
+          <p:nvPr/>
+        </p:nvGrpSpPr>
+        <p:grpSpPr>
+          <a:xfrm rot="16200000">
+            <a:off x="7616827" y="4310044"/>
+            <a:ext cx="932033" cy="937438"/>
+            <a:chOff x="7683500" y="1643839"/>
+            <a:chExt cx="932033" cy="937438"/>
+          </a:xfrm>
+        </p:grpSpPr>
+        <p:pic>
+          <p:nvPicPr>
+            <p:cNvPr id="1034" name="Picture 4" descr="0.96 inch OLED I2C Display 128 x 64 Pixels compatible with Arduino and –  MONDUINO">
+              <a:extLst>
+                <a:ext uri="{FF2B5EF4-FFF2-40B4-BE49-F238E27FC236}">
+                  <a16:creationId xmlns:a16="http://schemas.microsoft.com/office/drawing/2014/main" id="{F24338B6-4705-DE26-E6AF-ED003E192E43}"/>
+                </a:ext>
+              </a:extLst>
+            </p:cNvPr>
+            <p:cNvPicPr>
+              <a:picLocks noChangeAspect="1" noChangeArrowheads="1"/>
+            </p:cNvPicPr>
+            <p:nvPr/>
+          </p:nvPicPr>
+          <p:blipFill rotWithShape="1">
+            <a:blip r:embed="rId4">
+              <a:extLst>
+                <a:ext uri="{28A0092B-C50C-407E-A947-70E740481C1C}">
+                  <a14:useLocalDpi xmlns:a14="http://schemas.microsoft.com/office/drawing/2010/main" val="0"/>
+                </a:ext>
+              </a:extLst>
+            </a:blip>
+            <a:srcRect l="15695" t="16276" r="15303" b="14322"/>
+            <a:stretch/>
+          </p:blipFill>
+          <p:spPr bwMode="auto">
+            <a:xfrm>
+              <a:off x="7683500" y="1643839"/>
+              <a:ext cx="932033" cy="937438"/>
+            </a:xfrm>
+            <a:prstGeom prst="rect">
+              <a:avLst/>
+            </a:prstGeom>
+            <a:noFill/>
+            <a:extLst>
+              <a:ext uri="{909E8E84-426E-40DD-AFC4-6F175D3DCCD1}">
+                <a14:hiddenFill xmlns:a14="http://schemas.microsoft.com/office/drawing/2010/main">
+                  <a:solidFill>
+                    <a:srgbClr val="FFFFFF"/>
+                  </a:solidFill>
+                </a14:hiddenFill>
+              </a:ext>
+            </a:extLst>
+          </p:spPr>
+        </p:pic>
+        <p:sp>
+          <p:nvSpPr>
+            <p:cNvPr id="1035" name="타원 1034">
+              <a:extLst>
+                <a:ext uri="{FF2B5EF4-FFF2-40B4-BE49-F238E27FC236}">
+                  <a16:creationId xmlns:a16="http://schemas.microsoft.com/office/drawing/2014/main" id="{EBB9D802-5705-F4B3-7C99-A6A5CAF69D8C}"/>
+                </a:ext>
+              </a:extLst>
+            </p:cNvPr>
+            <p:cNvSpPr/>
+            <p:nvPr/>
+          </p:nvSpPr>
+          <p:spPr>
+            <a:xfrm>
+              <a:off x="8256115" y="1651962"/>
+              <a:ext cx="61097" cy="61097"/>
+            </a:xfrm>
+            <a:prstGeom prst="ellipse">
+              <a:avLst/>
+            </a:prstGeom>
+            <a:solidFill>
+              <a:srgbClr val="00B050"/>
+            </a:solidFill>
+          </p:spPr>
+          <p:style>
+            <a:lnRef idx="2">
+              <a:schemeClr val="accent1">
+                <a:shade val="15000"/>
+              </a:schemeClr>
+            </a:lnRef>
+            <a:fillRef idx="1">
+              <a:schemeClr val="accent1"/>
+            </a:fillRef>
+            <a:effectRef idx="0">
+              <a:schemeClr val="accent1"/>
+            </a:effectRef>
+            <a:fontRef idx="minor">
+              <a:schemeClr val="lt1"/>
+            </a:fontRef>
+          </p:style>
+          <p:txBody>
+            <a:bodyPr rtlCol="0" anchor="ctr"/>
+            <a:lstStyle/>
+            <a:p>
+              <a:pPr algn="ctr"/>
+              <a:endParaRPr lang="ko-KR" altLang="en-US"/>
+            </a:p>
+          </p:txBody>
+        </p:sp>
+        <p:sp>
+          <p:nvSpPr>
+            <p:cNvPr id="1036" name="타원 1035">
+              <a:extLst>
+                <a:ext uri="{FF2B5EF4-FFF2-40B4-BE49-F238E27FC236}">
+                  <a16:creationId xmlns:a16="http://schemas.microsoft.com/office/drawing/2014/main" id="{AE968457-34C4-3BC5-20CF-633F13F2B477}"/>
+                </a:ext>
+              </a:extLst>
+            </p:cNvPr>
+            <p:cNvSpPr/>
+            <p:nvPr/>
+          </p:nvSpPr>
+          <p:spPr>
+            <a:xfrm>
+              <a:off x="8155225" y="1655430"/>
+              <a:ext cx="61097" cy="61097"/>
+            </a:xfrm>
+            <a:prstGeom prst="ellipse">
+              <a:avLst/>
+            </a:prstGeom>
+            <a:solidFill>
+              <a:srgbClr val="FFC000"/>
+            </a:solidFill>
+          </p:spPr>
+          <p:style>
+            <a:lnRef idx="2">
+              <a:schemeClr val="accent1">
+                <a:shade val="15000"/>
+              </a:schemeClr>
+            </a:lnRef>
+            <a:fillRef idx="1">
+              <a:schemeClr val="accent1"/>
+            </a:fillRef>
+            <a:effectRef idx="0">
+              <a:schemeClr val="accent1"/>
+            </a:effectRef>
+            <a:fontRef idx="minor">
+              <a:schemeClr val="lt1"/>
+            </a:fontRef>
+          </p:style>
+          <p:txBody>
+            <a:bodyPr rtlCol="0" anchor="ctr"/>
+            <a:lstStyle/>
+            <a:p>
+              <a:pPr algn="ctr"/>
+              <a:endParaRPr lang="ko-KR" altLang="en-US"/>
+            </a:p>
+          </p:txBody>
+        </p:sp>
+        <p:sp>
+          <p:nvSpPr>
+            <p:cNvPr id="1037" name="타원 1036">
+              <a:extLst>
+                <a:ext uri="{FF2B5EF4-FFF2-40B4-BE49-F238E27FC236}">
+                  <a16:creationId xmlns:a16="http://schemas.microsoft.com/office/drawing/2014/main" id="{8E01E864-B791-8FFC-011E-87F949D697DE}"/>
+                </a:ext>
+              </a:extLst>
+            </p:cNvPr>
+            <p:cNvSpPr/>
+            <p:nvPr/>
+          </p:nvSpPr>
+          <p:spPr>
+            <a:xfrm>
+              <a:off x="8084884" y="1661540"/>
+              <a:ext cx="51932" cy="48879"/>
+            </a:xfrm>
+            <a:prstGeom prst="ellipse">
+              <a:avLst/>
+            </a:prstGeom>
+            <a:solidFill>
+              <a:srgbClr val="FF0000"/>
+            </a:solidFill>
+          </p:spPr>
+          <p:style>
+            <a:lnRef idx="2">
+              <a:schemeClr val="accent1">
+                <a:shade val="15000"/>
+              </a:schemeClr>
+            </a:lnRef>
+            <a:fillRef idx="1">
+              <a:schemeClr val="accent1"/>
+            </a:fillRef>
+            <a:effectRef idx="0">
+              <a:schemeClr val="accent1"/>
+            </a:effectRef>
+            <a:fontRef idx="minor">
+              <a:schemeClr val="lt1"/>
+            </a:fontRef>
+          </p:style>
+          <p:txBody>
+            <a:bodyPr rtlCol="0" anchor="ctr"/>
+            <a:lstStyle/>
+            <a:p>
+              <a:pPr algn="ctr"/>
+              <a:endParaRPr lang="ko-KR" altLang="en-US"/>
+            </a:p>
+          </p:txBody>
+        </p:sp>
+        <p:sp>
+          <p:nvSpPr>
+            <p:cNvPr id="1038" name="타원 1037">
+              <a:extLst>
+                <a:ext uri="{FF2B5EF4-FFF2-40B4-BE49-F238E27FC236}">
+                  <a16:creationId xmlns:a16="http://schemas.microsoft.com/office/drawing/2014/main" id="{46EDA221-EDED-392A-89CA-286681501680}"/>
+                </a:ext>
+              </a:extLst>
+            </p:cNvPr>
+            <p:cNvSpPr/>
+            <p:nvPr/>
+          </p:nvSpPr>
+          <p:spPr>
+            <a:xfrm>
+              <a:off x="7983994" y="1661540"/>
+              <a:ext cx="51932" cy="48879"/>
+            </a:xfrm>
+            <a:prstGeom prst="ellipse">
+              <a:avLst/>
+            </a:prstGeom>
+            <a:solidFill>
+              <a:schemeClr val="tx1"/>
+            </a:solidFill>
+          </p:spPr>
+          <p:style>
+            <a:lnRef idx="2">
+              <a:schemeClr val="accent1">
+                <a:shade val="15000"/>
+              </a:schemeClr>
+            </a:lnRef>
+            <a:fillRef idx="1">
+              <a:schemeClr val="accent1"/>
+            </a:fillRef>
+            <a:effectRef idx="0">
+              <a:schemeClr val="accent1"/>
+            </a:effectRef>
+            <a:fontRef idx="minor">
+              <a:schemeClr val="lt1"/>
+            </a:fontRef>
+          </p:style>
+          <p:txBody>
+            <a:bodyPr rtlCol="0" anchor="ctr"/>
+            <a:lstStyle/>
+            <a:p>
+              <a:pPr algn="ctr"/>
+              <a:endParaRPr lang="ko-KR" altLang="en-US"/>
+            </a:p>
+          </p:txBody>
+        </p:sp>
+      </p:grpSp>
+      <p:cxnSp>
+        <p:nvCxnSpPr>
+          <p:cNvPr id="1048" name="연결선: 꺾임 1047">
+            <a:extLst>
+              <a:ext uri="{FF2B5EF4-FFF2-40B4-BE49-F238E27FC236}">
+                <a16:creationId xmlns:a16="http://schemas.microsoft.com/office/drawing/2014/main" id="{52D8B1ED-6691-88F0-C56F-CF524815C814}"/>
+              </a:ext>
+            </a:extLst>
+          </p:cNvPr>
+          <p:cNvCxnSpPr>
+            <a:cxnSpLocks/>
+            <a:stCxn id="37" idx="0"/>
+            <a:endCxn id="57" idx="0"/>
+          </p:cNvCxnSpPr>
+          <p:nvPr/>
+        </p:nvCxnSpPr>
+        <p:spPr>
+          <a:xfrm rot="10800000" flipV="1">
+            <a:off x="7631826" y="1027549"/>
+            <a:ext cx="12700" cy="950441"/>
+          </a:xfrm>
+          <a:prstGeom prst="bentConnector3">
+            <a:avLst>
+              <a:gd name="adj1" fmla="val 2187024"/>
+            </a:avLst>
+          </a:prstGeom>
+          <a:ln>
+            <a:solidFill>
+              <a:srgbClr val="FF0000"/>
+            </a:solidFill>
+          </a:ln>
+        </p:spPr>
+        <p:style>
+          <a:lnRef idx="2">
+            <a:schemeClr val="accent1"/>
+          </a:lnRef>
+          <a:fillRef idx="0">
+            <a:schemeClr val="accent1"/>
+          </a:fillRef>
+          <a:effectRef idx="1">
+            <a:schemeClr val="accent1"/>
+          </a:effectRef>
+          <a:fontRef idx="minor">
+            <a:schemeClr val="tx1"/>
+          </a:fontRef>
+        </p:style>
+      </p:cxnSp>
+      <p:cxnSp>
+        <p:nvCxnSpPr>
+          <p:cNvPr id="1050" name="연결선: 꺾임 1049">
+            <a:extLst>
+              <a:ext uri="{FF2B5EF4-FFF2-40B4-BE49-F238E27FC236}">
+                <a16:creationId xmlns:a16="http://schemas.microsoft.com/office/drawing/2014/main" id="{529E33C2-5726-590E-539B-95E332402615}"/>
+              </a:ext>
+            </a:extLst>
+          </p:cNvPr>
+          <p:cNvCxnSpPr>
+            <a:cxnSpLocks/>
+            <a:stCxn id="51" idx="0"/>
+            <a:endCxn id="58" idx="0"/>
+          </p:cNvCxnSpPr>
+          <p:nvPr/>
+        </p:nvCxnSpPr>
+        <p:spPr>
+          <a:xfrm rot="10800000" flipV="1">
+            <a:off x="7631826" y="1128439"/>
+            <a:ext cx="12700" cy="950441"/>
+          </a:xfrm>
+          <a:prstGeom prst="bentConnector3">
+            <a:avLst>
+              <a:gd name="adj1" fmla="val 1849520"/>
+            </a:avLst>
+          </a:prstGeom>
+          <a:ln>
+            <a:solidFill>
+              <a:schemeClr val="tx1"/>
+            </a:solidFill>
+          </a:ln>
+        </p:spPr>
+        <p:style>
+          <a:lnRef idx="2">
+            <a:schemeClr val="accent1"/>
+          </a:lnRef>
+          <a:fillRef idx="0">
+            <a:schemeClr val="accent1"/>
+          </a:fillRef>
+          <a:effectRef idx="1">
+            <a:schemeClr val="accent1"/>
+          </a:effectRef>
+          <a:fontRef idx="minor">
+            <a:schemeClr val="tx1"/>
+          </a:fontRef>
+        </p:style>
+      </p:cxnSp>
+      <p:cxnSp>
+        <p:nvCxnSpPr>
+          <p:cNvPr id="1052" name="연결선: 꺾임 1051">
+            <a:extLst>
+              <a:ext uri="{FF2B5EF4-FFF2-40B4-BE49-F238E27FC236}">
+                <a16:creationId xmlns:a16="http://schemas.microsoft.com/office/drawing/2014/main" id="{7DE01AD3-51CA-A2BB-14C3-F731FE03B887}"/>
+              </a:ext>
+            </a:extLst>
+          </p:cNvPr>
+          <p:cNvCxnSpPr>
+            <a:stCxn id="35" idx="0"/>
+            <a:endCxn id="47" idx="6"/>
+          </p:cNvCxnSpPr>
+          <p:nvPr/>
+        </p:nvCxnSpPr>
+        <p:spPr>
+          <a:xfrm rot="10800000" flipV="1">
+            <a:off x="6424856" y="952626"/>
+            <a:ext cx="1200861" cy="828344"/>
+          </a:xfrm>
+          <a:prstGeom prst="bentConnector3">
+            <a:avLst>
+              <a:gd name="adj1" fmla="val 43919"/>
+            </a:avLst>
+          </a:prstGeom>
+          <a:ln>
+            <a:solidFill>
+              <a:srgbClr val="FFC000"/>
+            </a:solidFill>
+          </a:ln>
+        </p:spPr>
+        <p:style>
+          <a:lnRef idx="2">
+            <a:schemeClr val="accent1"/>
+          </a:lnRef>
+          <a:fillRef idx="0">
+            <a:schemeClr val="accent1"/>
+          </a:fillRef>
+          <a:effectRef idx="1">
+            <a:schemeClr val="accent1"/>
+          </a:effectRef>
+          <a:fontRef idx="minor">
+            <a:schemeClr val="tx1"/>
+          </a:fontRef>
+        </p:style>
+      </p:cxnSp>
+      <p:cxnSp>
+        <p:nvCxnSpPr>
+          <p:cNvPr id="1056" name="연결선: 꺾임 1055">
+            <a:extLst>
+              <a:ext uri="{FF2B5EF4-FFF2-40B4-BE49-F238E27FC236}">
+                <a16:creationId xmlns:a16="http://schemas.microsoft.com/office/drawing/2014/main" id="{AF5E0977-7F05-B570-9D03-DE80D0707CC9}"/>
+              </a:ext>
+            </a:extLst>
+          </p:cNvPr>
+          <p:cNvCxnSpPr>
+            <a:cxnSpLocks/>
+            <a:stCxn id="57" idx="0"/>
+            <a:endCxn id="63" idx="0"/>
+          </p:cNvCxnSpPr>
+          <p:nvPr/>
+        </p:nvCxnSpPr>
+        <p:spPr>
+          <a:xfrm rot="10800000" flipH="1" flipV="1">
+            <a:off x="7631825" y="1977991"/>
+            <a:ext cx="4867" cy="950440"/>
+          </a:xfrm>
+          <a:prstGeom prst="bentConnector3">
+            <a:avLst>
+              <a:gd name="adj1" fmla="val -5445901"/>
+            </a:avLst>
+          </a:prstGeom>
+          <a:ln>
+            <a:solidFill>
+              <a:srgbClr val="FF0000"/>
+            </a:solidFill>
+          </a:ln>
+        </p:spPr>
+        <p:style>
+          <a:lnRef idx="2">
+            <a:schemeClr val="accent1"/>
+          </a:lnRef>
+          <a:fillRef idx="0">
+            <a:schemeClr val="accent1"/>
+          </a:fillRef>
+          <a:effectRef idx="1">
+            <a:schemeClr val="accent1"/>
+          </a:effectRef>
+          <a:fontRef idx="minor">
+            <a:schemeClr val="tx1"/>
+          </a:fontRef>
+        </p:style>
+      </p:cxnSp>
+      <p:cxnSp>
+        <p:nvCxnSpPr>
+          <p:cNvPr id="1059" name="연결선: 꺾임 1058">
+            <a:extLst>
+              <a:ext uri="{FF2B5EF4-FFF2-40B4-BE49-F238E27FC236}">
+                <a16:creationId xmlns:a16="http://schemas.microsoft.com/office/drawing/2014/main" id="{A7783830-4615-0581-59F6-9CD7260D588A}"/>
+              </a:ext>
+            </a:extLst>
+          </p:cNvPr>
+          <p:cNvCxnSpPr>
+            <a:cxnSpLocks/>
+            <a:stCxn id="63" idx="0"/>
+            <a:endCxn id="1031" idx="0"/>
+          </p:cNvCxnSpPr>
+          <p:nvPr/>
+        </p:nvCxnSpPr>
+        <p:spPr>
+          <a:xfrm rot="10800000" flipH="1" flipV="1">
+            <a:off x="7636692" y="2928431"/>
+            <a:ext cx="3257" cy="944500"/>
+          </a:xfrm>
+          <a:prstGeom prst="bentConnector3">
+            <a:avLst>
+              <a:gd name="adj1" fmla="val -8137918"/>
+            </a:avLst>
+          </a:prstGeom>
+          <a:ln>
+            <a:solidFill>
+              <a:srgbClr val="FF0000"/>
+            </a:solidFill>
+          </a:ln>
+        </p:spPr>
+        <p:style>
+          <a:lnRef idx="2">
+            <a:schemeClr val="accent1"/>
+          </a:lnRef>
+          <a:fillRef idx="0">
+            <a:schemeClr val="accent1"/>
+          </a:fillRef>
+          <a:effectRef idx="1">
+            <a:schemeClr val="accent1"/>
+          </a:effectRef>
+          <a:fontRef idx="minor">
+            <a:schemeClr val="tx1"/>
+          </a:fontRef>
+        </p:style>
+      </p:cxnSp>
+      <p:cxnSp>
+        <p:nvCxnSpPr>
+          <p:cNvPr id="1063" name="연결선: 꺾임 1062">
+            <a:extLst>
+              <a:ext uri="{FF2B5EF4-FFF2-40B4-BE49-F238E27FC236}">
+                <a16:creationId xmlns:a16="http://schemas.microsoft.com/office/drawing/2014/main" id="{3D40535F-6586-7687-4369-A9C6DA174C78}"/>
+              </a:ext>
+            </a:extLst>
+          </p:cNvPr>
+          <p:cNvCxnSpPr>
+            <a:cxnSpLocks/>
+            <a:stCxn id="1031" idx="0"/>
+            <a:endCxn id="1037" idx="0"/>
+          </p:cNvCxnSpPr>
+          <p:nvPr/>
+        </p:nvCxnSpPr>
+        <p:spPr>
+          <a:xfrm rot="10800000" flipV="1">
+            <a:off x="7631826" y="3872930"/>
+            <a:ext cx="8124" cy="944499"/>
+          </a:xfrm>
+          <a:prstGeom prst="bentConnector3">
+            <a:avLst>
+              <a:gd name="adj1" fmla="val 3362580"/>
+            </a:avLst>
+          </a:prstGeom>
+          <a:ln>
+            <a:solidFill>
+              <a:srgbClr val="FF0000"/>
+            </a:solidFill>
+          </a:ln>
+        </p:spPr>
+        <p:style>
+          <a:lnRef idx="2">
+            <a:schemeClr val="accent1"/>
+          </a:lnRef>
+          <a:fillRef idx="0">
+            <a:schemeClr val="accent1"/>
+          </a:fillRef>
+          <a:effectRef idx="1">
+            <a:schemeClr val="accent1"/>
+          </a:effectRef>
+          <a:fontRef idx="minor">
+            <a:schemeClr val="tx1"/>
+          </a:fontRef>
+        </p:style>
+      </p:cxnSp>
+      <p:cxnSp>
+        <p:nvCxnSpPr>
+          <p:cNvPr id="1070" name="연결선: 꺾임 1069">
+            <a:extLst>
+              <a:ext uri="{FF2B5EF4-FFF2-40B4-BE49-F238E27FC236}">
+                <a16:creationId xmlns:a16="http://schemas.microsoft.com/office/drawing/2014/main" id="{94C78D9A-39FA-74BB-C401-F95F7655E428}"/>
+              </a:ext>
+            </a:extLst>
+          </p:cNvPr>
+          <p:cNvCxnSpPr>
+            <a:cxnSpLocks/>
+            <a:stCxn id="58" idx="0"/>
+            <a:endCxn id="1024" idx="0"/>
+          </p:cNvCxnSpPr>
+          <p:nvPr/>
+        </p:nvCxnSpPr>
+        <p:spPr>
+          <a:xfrm rot="10800000" flipH="1" flipV="1">
+            <a:off x="7631825" y="2078881"/>
+            <a:ext cx="4867" cy="950440"/>
+          </a:xfrm>
+          <a:prstGeom prst="bentConnector3">
+            <a:avLst>
+              <a:gd name="adj1" fmla="val -4565215"/>
+            </a:avLst>
+          </a:prstGeom>
+          <a:ln>
+            <a:solidFill>
+              <a:schemeClr val="tx1"/>
+            </a:solidFill>
+          </a:ln>
+        </p:spPr>
+        <p:style>
+          <a:lnRef idx="2">
+            <a:schemeClr val="accent1"/>
+          </a:lnRef>
+          <a:fillRef idx="0">
+            <a:schemeClr val="accent1"/>
+          </a:fillRef>
+          <a:effectRef idx="1">
+            <a:schemeClr val="accent1"/>
+          </a:effectRef>
+          <a:fontRef idx="minor">
+            <a:schemeClr val="tx1"/>
+          </a:fontRef>
+        </p:style>
+      </p:cxnSp>
+      <p:cxnSp>
+        <p:nvCxnSpPr>
+          <p:cNvPr id="1073" name="연결선: 꺾임 1072">
+            <a:extLst>
+              <a:ext uri="{FF2B5EF4-FFF2-40B4-BE49-F238E27FC236}">
+                <a16:creationId xmlns:a16="http://schemas.microsoft.com/office/drawing/2014/main" id="{B439C65D-5A7B-2B1F-9FD5-378D05C9F4DC}"/>
+              </a:ext>
+            </a:extLst>
+          </p:cNvPr>
+          <p:cNvCxnSpPr>
+            <a:cxnSpLocks/>
+            <a:stCxn id="1024" idx="0"/>
+            <a:endCxn id="1032" idx="0"/>
+          </p:cNvCxnSpPr>
+          <p:nvPr/>
+        </p:nvCxnSpPr>
+        <p:spPr>
+          <a:xfrm rot="10800000" flipH="1" flipV="1">
+            <a:off x="7636692" y="3029321"/>
+            <a:ext cx="3257" cy="944500"/>
+          </a:xfrm>
+          <a:prstGeom prst="bentConnector3">
+            <a:avLst>
+              <a:gd name="adj1" fmla="val -7065613"/>
+            </a:avLst>
+          </a:prstGeom>
+          <a:ln>
+            <a:solidFill>
+              <a:schemeClr val="tx1"/>
+            </a:solidFill>
+          </a:ln>
+        </p:spPr>
+        <p:style>
+          <a:lnRef idx="2">
+            <a:schemeClr val="accent1"/>
+          </a:lnRef>
+          <a:fillRef idx="0">
+            <a:schemeClr val="accent1"/>
+          </a:fillRef>
+          <a:effectRef idx="1">
+            <a:schemeClr val="accent1"/>
+          </a:effectRef>
+          <a:fontRef idx="minor">
+            <a:schemeClr val="tx1"/>
+          </a:fontRef>
+        </p:style>
+      </p:cxnSp>
+      <p:cxnSp>
+        <p:nvCxnSpPr>
+          <p:cNvPr id="1076" name="연결선: 꺾임 1075">
+            <a:extLst>
+              <a:ext uri="{FF2B5EF4-FFF2-40B4-BE49-F238E27FC236}">
+                <a16:creationId xmlns:a16="http://schemas.microsoft.com/office/drawing/2014/main" id="{8532F764-EE11-5452-DBE4-9BC0CC135614}"/>
+              </a:ext>
+            </a:extLst>
+          </p:cNvPr>
+          <p:cNvCxnSpPr>
+            <a:cxnSpLocks/>
+            <a:stCxn id="1038" idx="0"/>
+            <a:endCxn id="1032" idx="0"/>
+          </p:cNvCxnSpPr>
+          <p:nvPr/>
+        </p:nvCxnSpPr>
+        <p:spPr>
+          <a:xfrm rot="10800000" flipH="1">
+            <a:off x="7631826" y="3973822"/>
+            <a:ext cx="8124" cy="944499"/>
+          </a:xfrm>
+          <a:prstGeom prst="bentConnector3">
+            <a:avLst>
+              <a:gd name="adj1" fmla="val -2754505"/>
+            </a:avLst>
+          </a:prstGeom>
+          <a:ln>
+            <a:solidFill>
+              <a:schemeClr val="tx1"/>
+            </a:solidFill>
+          </a:ln>
+        </p:spPr>
+        <p:style>
+          <a:lnRef idx="2">
+            <a:schemeClr val="accent1"/>
+          </a:lnRef>
+          <a:fillRef idx="0">
+            <a:schemeClr val="accent1"/>
+          </a:fillRef>
+          <a:effectRef idx="1">
+            <a:schemeClr val="accent1"/>
+          </a:effectRef>
+          <a:fontRef idx="minor">
+            <a:schemeClr val="tx1"/>
+          </a:fontRef>
+        </p:style>
+      </p:cxnSp>
+      <p:cxnSp>
+        <p:nvCxnSpPr>
+          <p:cNvPr id="1083" name="연결선: 꺾임 1082">
+            <a:extLst>
+              <a:ext uri="{FF2B5EF4-FFF2-40B4-BE49-F238E27FC236}">
+                <a16:creationId xmlns:a16="http://schemas.microsoft.com/office/drawing/2014/main" id="{000CE7F5-82D3-C10B-91A3-E87FC8B206E1}"/>
+              </a:ext>
+            </a:extLst>
+          </p:cNvPr>
+          <p:cNvCxnSpPr>
+            <a:cxnSpLocks/>
+            <a:stCxn id="34" idx="0"/>
+            <a:endCxn id="42" idx="6"/>
+          </p:cNvCxnSpPr>
+          <p:nvPr/>
+        </p:nvCxnSpPr>
+        <p:spPr>
+          <a:xfrm rot="10800000" flipV="1">
+            <a:off x="6424856" y="851736"/>
+            <a:ext cx="1197392" cy="1032590"/>
+          </a:xfrm>
+          <a:prstGeom prst="bentConnector3">
+            <a:avLst>
+              <a:gd name="adj1" fmla="val 39791"/>
+            </a:avLst>
+          </a:prstGeom>
+          <a:ln>
+            <a:solidFill>
+              <a:srgbClr val="00B050"/>
+            </a:solidFill>
+          </a:ln>
+        </p:spPr>
+        <p:style>
+          <a:lnRef idx="2">
+            <a:schemeClr val="accent1"/>
+          </a:lnRef>
+          <a:fillRef idx="0">
+            <a:schemeClr val="accent1"/>
+          </a:fillRef>
+          <a:effectRef idx="1">
+            <a:schemeClr val="accent1"/>
+          </a:effectRef>
+          <a:fontRef idx="minor">
+            <a:schemeClr val="tx1"/>
+          </a:fontRef>
+        </p:style>
+      </p:cxnSp>
+      <p:cxnSp>
+        <p:nvCxnSpPr>
+          <p:cNvPr id="1087" name="연결선: 꺾임 1086">
+            <a:extLst>
+              <a:ext uri="{FF2B5EF4-FFF2-40B4-BE49-F238E27FC236}">
+                <a16:creationId xmlns:a16="http://schemas.microsoft.com/office/drawing/2014/main" id="{B9201843-01AB-A914-A5D6-8677DDACEF0D}"/>
+              </a:ext>
+            </a:extLst>
+          </p:cNvPr>
+          <p:cNvCxnSpPr>
+            <a:cxnSpLocks/>
+            <a:stCxn id="55" idx="0"/>
+            <a:endCxn id="44" idx="6"/>
+          </p:cNvCxnSpPr>
+          <p:nvPr/>
+        </p:nvCxnSpPr>
+        <p:spPr>
+          <a:xfrm rot="10800000" flipV="1">
+            <a:off x="6424856" y="1802177"/>
+            <a:ext cx="1197392" cy="278818"/>
+          </a:xfrm>
+          <a:prstGeom prst="bentConnector3">
+            <a:avLst>
+              <a:gd name="adj1" fmla="val 34621"/>
+            </a:avLst>
+          </a:prstGeom>
+          <a:ln>
+            <a:solidFill>
+              <a:srgbClr val="00B050"/>
+            </a:solidFill>
+          </a:ln>
+        </p:spPr>
+        <p:style>
+          <a:lnRef idx="2">
+            <a:schemeClr val="accent1"/>
+          </a:lnRef>
+          <a:fillRef idx="0">
+            <a:schemeClr val="accent1"/>
+          </a:fillRef>
+          <a:effectRef idx="1">
+            <a:schemeClr val="accent1"/>
+          </a:effectRef>
+          <a:fontRef idx="minor">
+            <a:schemeClr val="tx1"/>
+          </a:fontRef>
+        </p:style>
+      </p:cxnSp>
+      <p:cxnSp>
+        <p:nvCxnSpPr>
+          <p:cNvPr id="1091" name="연결선: 꺾임 1090">
+            <a:extLst>
+              <a:ext uri="{FF2B5EF4-FFF2-40B4-BE49-F238E27FC236}">
+                <a16:creationId xmlns:a16="http://schemas.microsoft.com/office/drawing/2014/main" id="{8E42E316-97C9-E0E2-332B-0BE4BBE7B791}"/>
+              </a:ext>
+            </a:extLst>
+          </p:cNvPr>
+          <p:cNvCxnSpPr>
+            <a:cxnSpLocks/>
+            <a:stCxn id="56" idx="0"/>
+            <a:endCxn id="43" idx="6"/>
+          </p:cNvCxnSpPr>
+          <p:nvPr/>
+        </p:nvCxnSpPr>
+        <p:spPr>
+          <a:xfrm rot="10800000" flipV="1">
+            <a:off x="6424856" y="1903067"/>
+            <a:ext cx="1200860" cy="78006"/>
+          </a:xfrm>
+          <a:prstGeom prst="bentConnector3">
+            <a:avLst>
+              <a:gd name="adj1" fmla="val 31096"/>
+            </a:avLst>
+          </a:prstGeom>
+          <a:ln>
+            <a:solidFill>
+              <a:srgbClr val="FFC000"/>
+            </a:solidFill>
+          </a:ln>
+        </p:spPr>
+        <p:style>
+          <a:lnRef idx="2">
+            <a:schemeClr val="accent1"/>
+          </a:lnRef>
+          <a:fillRef idx="0">
+            <a:schemeClr val="accent1"/>
+          </a:fillRef>
+          <a:effectRef idx="1">
+            <a:schemeClr val="accent1"/>
+          </a:effectRef>
+          <a:fontRef idx="minor">
+            <a:schemeClr val="tx1"/>
+          </a:fontRef>
+        </p:style>
+      </p:cxnSp>
+      <p:cxnSp>
+        <p:nvCxnSpPr>
+          <p:cNvPr id="1095" name="연결선: 꺾임 1094">
+            <a:extLst>
+              <a:ext uri="{FF2B5EF4-FFF2-40B4-BE49-F238E27FC236}">
+                <a16:creationId xmlns:a16="http://schemas.microsoft.com/office/drawing/2014/main" id="{B8599F05-072C-626C-2938-E0AD78B9402B}"/>
+              </a:ext>
+            </a:extLst>
+          </p:cNvPr>
+          <p:cNvCxnSpPr>
+            <a:cxnSpLocks/>
+            <a:stCxn id="61" idx="0"/>
+            <a:endCxn id="46" idx="6"/>
+          </p:cNvCxnSpPr>
+          <p:nvPr/>
+        </p:nvCxnSpPr>
+        <p:spPr>
+          <a:xfrm rot="10800000">
+            <a:off x="6424857" y="2274489"/>
+            <a:ext cx="1202259" cy="478129"/>
+          </a:xfrm>
+          <a:prstGeom prst="bentConnector3">
+            <a:avLst>
+              <a:gd name="adj1" fmla="val 34551"/>
+            </a:avLst>
+          </a:prstGeom>
+          <a:ln>
+            <a:solidFill>
+              <a:srgbClr val="00B050"/>
+            </a:solidFill>
+          </a:ln>
+        </p:spPr>
+        <p:style>
+          <a:lnRef idx="2">
+            <a:schemeClr val="accent1"/>
+          </a:lnRef>
+          <a:fillRef idx="0">
+            <a:schemeClr val="accent1"/>
+          </a:fillRef>
+          <a:effectRef idx="1">
+            <a:schemeClr val="accent1"/>
+          </a:effectRef>
+          <a:fontRef idx="minor">
+            <a:schemeClr val="tx1"/>
+          </a:fontRef>
+        </p:style>
+      </p:cxnSp>
+      <p:cxnSp>
+        <p:nvCxnSpPr>
+          <p:cNvPr id="1098" name="연결선: 꺾임 1097">
+            <a:extLst>
+              <a:ext uri="{FF2B5EF4-FFF2-40B4-BE49-F238E27FC236}">
+                <a16:creationId xmlns:a16="http://schemas.microsoft.com/office/drawing/2014/main" id="{6BFCFE10-3215-9FB5-157C-136D6E612E1F}"/>
+              </a:ext>
+            </a:extLst>
+          </p:cNvPr>
+          <p:cNvCxnSpPr>
+            <a:cxnSpLocks/>
+            <a:stCxn id="62" idx="0"/>
+            <a:endCxn id="45" idx="6"/>
+          </p:cNvCxnSpPr>
+          <p:nvPr/>
+        </p:nvCxnSpPr>
+        <p:spPr>
+          <a:xfrm rot="10800000">
+            <a:off x="6424857" y="2177743"/>
+            <a:ext cx="1205727" cy="675765"/>
+          </a:xfrm>
+          <a:prstGeom prst="bentConnector3">
+            <a:avLst>
+              <a:gd name="adj1" fmla="val 30909"/>
+            </a:avLst>
+          </a:prstGeom>
+          <a:ln>
+            <a:solidFill>
+              <a:srgbClr val="FFC000"/>
+            </a:solidFill>
+          </a:ln>
+        </p:spPr>
+        <p:style>
+          <a:lnRef idx="2">
+            <a:schemeClr val="accent1"/>
+          </a:lnRef>
+          <a:fillRef idx="0">
+            <a:schemeClr val="accent1"/>
+          </a:fillRef>
+          <a:effectRef idx="1">
+            <a:schemeClr val="accent1"/>
+          </a:effectRef>
+          <a:fontRef idx="minor">
+            <a:schemeClr val="tx1"/>
+          </a:fontRef>
+        </p:style>
+      </p:cxnSp>
+      <p:cxnSp>
+        <p:nvCxnSpPr>
+          <p:cNvPr id="1109" name="연결선: 꺾임 1108">
+            <a:extLst>
+              <a:ext uri="{FF2B5EF4-FFF2-40B4-BE49-F238E27FC236}">
+                <a16:creationId xmlns:a16="http://schemas.microsoft.com/office/drawing/2014/main" id="{635E5984-343E-5965-0904-620EBD5F05D2}"/>
+              </a:ext>
+            </a:extLst>
+          </p:cNvPr>
+          <p:cNvCxnSpPr>
+            <a:cxnSpLocks/>
+            <a:stCxn id="1030" idx="0"/>
+            <a:endCxn id="39" idx="6"/>
+          </p:cNvCxnSpPr>
+          <p:nvPr/>
+        </p:nvCxnSpPr>
+        <p:spPr>
+          <a:xfrm rot="10800000">
+            <a:off x="5706174" y="2077821"/>
+            <a:ext cx="1927666" cy="1720187"/>
+          </a:xfrm>
+          <a:prstGeom prst="bentConnector3">
+            <a:avLst>
+              <a:gd name="adj1" fmla="val 79318"/>
+            </a:avLst>
+          </a:prstGeom>
+          <a:ln>
+            <a:solidFill>
+              <a:srgbClr val="FFC000"/>
+            </a:solidFill>
+          </a:ln>
+        </p:spPr>
+        <p:style>
+          <a:lnRef idx="2">
+            <a:schemeClr val="accent1"/>
+          </a:lnRef>
+          <a:fillRef idx="0">
+            <a:schemeClr val="accent1"/>
+          </a:fillRef>
+          <a:effectRef idx="1">
+            <a:schemeClr val="accent1"/>
+          </a:effectRef>
+          <a:fontRef idx="minor">
+            <a:schemeClr val="tx1"/>
+          </a:fontRef>
+        </p:style>
+      </p:cxnSp>
+      <p:cxnSp>
+        <p:nvCxnSpPr>
+          <p:cNvPr id="1113" name="연결선: 꺾임 1112">
+            <a:extLst>
+              <a:ext uri="{FF2B5EF4-FFF2-40B4-BE49-F238E27FC236}">
+                <a16:creationId xmlns:a16="http://schemas.microsoft.com/office/drawing/2014/main" id="{1B271BED-36DD-1E6F-DC0D-FF764B166934}"/>
+              </a:ext>
+            </a:extLst>
+          </p:cNvPr>
+          <p:cNvCxnSpPr>
+            <a:cxnSpLocks/>
+            <a:stCxn id="1029" idx="0"/>
+            <a:endCxn id="38" idx="6"/>
+          </p:cNvCxnSpPr>
+          <p:nvPr/>
+        </p:nvCxnSpPr>
+        <p:spPr>
+          <a:xfrm rot="10800000">
+            <a:off x="5706174" y="1981073"/>
+            <a:ext cx="1924198" cy="1716044"/>
+          </a:xfrm>
+          <a:prstGeom prst="bentConnector3">
+            <a:avLst>
+              <a:gd name="adj1" fmla="val 74916"/>
+            </a:avLst>
+          </a:prstGeom>
+          <a:ln>
+            <a:solidFill>
+              <a:srgbClr val="00B050"/>
+            </a:solidFill>
+          </a:ln>
+        </p:spPr>
+        <p:style>
+          <a:lnRef idx="2">
+            <a:schemeClr val="accent1"/>
+          </a:lnRef>
+          <a:fillRef idx="0">
+            <a:schemeClr val="accent1"/>
+          </a:fillRef>
+          <a:effectRef idx="1">
+            <a:schemeClr val="accent1"/>
+          </a:effectRef>
+          <a:fontRef idx="minor">
+            <a:schemeClr val="tx1"/>
+          </a:fontRef>
+        </p:style>
+      </p:cxnSp>
+      <p:cxnSp>
+        <p:nvCxnSpPr>
+          <p:cNvPr id="1118" name="연결선: 꺾임 1117">
+            <a:extLst>
+              <a:ext uri="{FF2B5EF4-FFF2-40B4-BE49-F238E27FC236}">
+                <a16:creationId xmlns:a16="http://schemas.microsoft.com/office/drawing/2014/main" id="{48DF5BE3-0A6D-31DB-D1C9-3696487BF07A}"/>
+              </a:ext>
+            </a:extLst>
+          </p:cNvPr>
+          <p:cNvCxnSpPr>
+            <a:cxnSpLocks/>
+            <a:stCxn id="1035" idx="0"/>
+            <a:endCxn id="40" idx="6"/>
+          </p:cNvCxnSpPr>
+          <p:nvPr/>
+        </p:nvCxnSpPr>
+        <p:spPr>
+          <a:xfrm rot="10800000">
+            <a:off x="5706174" y="2177742"/>
+            <a:ext cx="1916074" cy="2463874"/>
+          </a:xfrm>
+          <a:prstGeom prst="bentConnector3">
+            <a:avLst>
+              <a:gd name="adj1" fmla="val 87118"/>
+            </a:avLst>
+          </a:prstGeom>
+          <a:ln>
+            <a:solidFill>
+              <a:srgbClr val="00B050"/>
+            </a:solidFill>
+          </a:ln>
+        </p:spPr>
+        <p:style>
+          <a:lnRef idx="2">
+            <a:schemeClr val="accent1"/>
+          </a:lnRef>
+          <a:fillRef idx="0">
+            <a:schemeClr val="accent1"/>
+          </a:fillRef>
+          <a:effectRef idx="1">
+            <a:schemeClr val="accent1"/>
+          </a:effectRef>
+          <a:fontRef idx="minor">
+            <a:schemeClr val="tx1"/>
+          </a:fontRef>
+        </p:style>
+      </p:cxnSp>
+      <p:cxnSp>
+        <p:nvCxnSpPr>
+          <p:cNvPr id="1123" name="연결선: 꺾임 1122">
+            <a:extLst>
+              <a:ext uri="{FF2B5EF4-FFF2-40B4-BE49-F238E27FC236}">
+                <a16:creationId xmlns:a16="http://schemas.microsoft.com/office/drawing/2014/main" id="{DEAB5FAB-CCD4-5C6F-7EAD-6142690C5E47}"/>
+              </a:ext>
+            </a:extLst>
+          </p:cNvPr>
+          <p:cNvCxnSpPr>
+            <a:cxnSpLocks/>
+            <a:stCxn id="1036" idx="0"/>
+            <a:endCxn id="41" idx="6"/>
+          </p:cNvCxnSpPr>
+          <p:nvPr/>
+        </p:nvCxnSpPr>
+        <p:spPr>
+          <a:xfrm rot="10800000">
+            <a:off x="5706174" y="2274490"/>
+            <a:ext cx="1919542" cy="2468017"/>
+          </a:xfrm>
+          <a:prstGeom prst="bentConnector3">
+            <a:avLst>
+              <a:gd name="adj1" fmla="val 92840"/>
+            </a:avLst>
+          </a:prstGeom>
+          <a:ln>
+            <a:solidFill>
+              <a:srgbClr val="FFC000"/>
+            </a:solidFill>
+          </a:ln>
+        </p:spPr>
+        <p:style>
+          <a:lnRef idx="2">
+            <a:schemeClr val="accent1"/>
+          </a:lnRef>
+          <a:fillRef idx="0">
+            <a:schemeClr val="accent1"/>
+          </a:fillRef>
+          <a:effectRef idx="1">
+            <a:schemeClr val="accent1"/>
+          </a:effectRef>
+          <a:fontRef idx="minor">
+            <a:schemeClr val="tx1"/>
+          </a:fontRef>
+        </p:style>
+      </p:cxnSp>
+      <p:sp>
+        <p:nvSpPr>
+          <p:cNvPr id="1129" name="TextBox 1128">
+            <a:extLst>
+              <a:ext uri="{FF2B5EF4-FFF2-40B4-BE49-F238E27FC236}">
+                <a16:creationId xmlns:a16="http://schemas.microsoft.com/office/drawing/2014/main" id="{53DC33DE-B878-E47F-A92D-C069846366FF}"/>
+              </a:ext>
+            </a:extLst>
+          </p:cNvPr>
+          <p:cNvSpPr txBox="1"/>
+          <p:nvPr/>
+        </p:nvSpPr>
+        <p:spPr>
+          <a:xfrm>
+            <a:off x="7715065" y="3569965"/>
+            <a:ext cx="778581" cy="553998"/>
+          </a:xfrm>
+          <a:prstGeom prst="rect">
+            <a:avLst/>
+          </a:prstGeom>
+          <a:noFill/>
+        </p:spPr>
+        <p:txBody>
+          <a:bodyPr wrap="square" rtlCol="0">
+            <a:spAutoFit/>
+          </a:bodyPr>
+          <a:lstStyle/>
+          <a:p>
+            <a:r>
+              <a:rPr lang="en-US" altLang="ko-KR" sz="1500" b="1" dirty="0">
+                <a:solidFill>
+                  <a:schemeClr val="bg2"/>
+                </a:solidFill>
+              </a:rPr>
+              <a:t>OLED #1</a:t>
+            </a:r>
+            <a:endParaRPr lang="ko-KR" altLang="en-US" sz="1500" b="1" dirty="0">
+              <a:solidFill>
+                <a:schemeClr val="bg2"/>
+              </a:solidFill>
+            </a:endParaRPr>
+          </a:p>
+        </p:txBody>
+      </p:sp>
+      <p:sp>
+        <p:nvSpPr>
+          <p:cNvPr id="1130" name="TextBox 1129">
+            <a:extLst>
+              <a:ext uri="{FF2B5EF4-FFF2-40B4-BE49-F238E27FC236}">
+                <a16:creationId xmlns:a16="http://schemas.microsoft.com/office/drawing/2014/main" id="{BFB8831C-85F3-8AA2-6FBF-104901D17F1E}"/>
+              </a:ext>
+            </a:extLst>
+          </p:cNvPr>
+          <p:cNvSpPr txBox="1"/>
+          <p:nvPr/>
+        </p:nvSpPr>
+        <p:spPr>
+          <a:xfrm>
+            <a:off x="7732951" y="4476811"/>
+            <a:ext cx="778581" cy="553998"/>
+          </a:xfrm>
+          <a:prstGeom prst="rect">
+            <a:avLst/>
+          </a:prstGeom>
+          <a:noFill/>
+        </p:spPr>
+        <p:txBody>
+          <a:bodyPr wrap="square" rtlCol="0">
+            <a:spAutoFit/>
+          </a:bodyPr>
+          <a:lstStyle/>
+          <a:p>
+            <a:r>
+              <a:rPr lang="en-US" altLang="ko-KR" sz="1500" b="1" dirty="0">
+                <a:solidFill>
+                  <a:schemeClr val="bg2"/>
+                </a:solidFill>
+              </a:rPr>
+              <a:t>OLED #2</a:t>
+            </a:r>
+            <a:endParaRPr lang="ko-KR" altLang="en-US" sz="1500" b="1" dirty="0">
+              <a:solidFill>
+                <a:schemeClr val="bg2"/>
+              </a:solidFill>
+            </a:endParaRPr>
+          </a:p>
+        </p:txBody>
+      </p:sp>
+      <p:sp>
+        <p:nvSpPr>
+          <p:cNvPr id="1131" name="TextBox 1130">
+            <a:extLst>
+              <a:ext uri="{FF2B5EF4-FFF2-40B4-BE49-F238E27FC236}">
+                <a16:creationId xmlns:a16="http://schemas.microsoft.com/office/drawing/2014/main" id="{F8F2128A-32B9-0024-F9BB-494723F92E50}"/>
+              </a:ext>
+            </a:extLst>
+          </p:cNvPr>
+          <p:cNvSpPr txBox="1"/>
+          <p:nvPr/>
+        </p:nvSpPr>
+        <p:spPr>
+          <a:xfrm>
+            <a:off x="7732951" y="2618324"/>
+            <a:ext cx="778581" cy="553998"/>
+          </a:xfrm>
+          <a:prstGeom prst="rect">
+            <a:avLst/>
+          </a:prstGeom>
+          <a:noFill/>
+        </p:spPr>
+        <p:txBody>
+          <a:bodyPr wrap="square" rtlCol="0">
+            <a:spAutoFit/>
+          </a:bodyPr>
+          <a:lstStyle/>
+          <a:p>
+            <a:r>
+              <a:rPr lang="en-US" altLang="ko-KR" sz="1500" b="1" dirty="0">
+                <a:solidFill>
+                  <a:schemeClr val="bg2"/>
+                </a:solidFill>
+              </a:rPr>
+              <a:t>OLED #3</a:t>
+            </a:r>
+            <a:endParaRPr lang="ko-KR" altLang="en-US" sz="1500" b="1" dirty="0">
+              <a:solidFill>
+                <a:schemeClr val="bg2"/>
+              </a:solidFill>
+            </a:endParaRPr>
+          </a:p>
+        </p:txBody>
+      </p:sp>
+      <p:sp>
+        <p:nvSpPr>
+          <p:cNvPr id="1132" name="TextBox 1131">
+            <a:extLst>
+              <a:ext uri="{FF2B5EF4-FFF2-40B4-BE49-F238E27FC236}">
+                <a16:creationId xmlns:a16="http://schemas.microsoft.com/office/drawing/2014/main" id="{4BA2B265-D63B-0A9A-17A3-5B34E3A8C1A9}"/>
+              </a:ext>
+            </a:extLst>
+          </p:cNvPr>
+          <p:cNvSpPr txBox="1"/>
+          <p:nvPr/>
+        </p:nvSpPr>
+        <p:spPr>
+          <a:xfrm>
+            <a:off x="7767802" y="1673525"/>
+            <a:ext cx="778581" cy="553998"/>
+          </a:xfrm>
+          <a:prstGeom prst="rect">
+            <a:avLst/>
+          </a:prstGeom>
+          <a:noFill/>
+        </p:spPr>
+        <p:txBody>
+          <a:bodyPr wrap="square" rtlCol="0">
+            <a:spAutoFit/>
+          </a:bodyPr>
+          <a:lstStyle/>
+          <a:p>
+            <a:r>
+              <a:rPr lang="en-US" altLang="ko-KR" sz="1500" b="1" dirty="0">
+                <a:solidFill>
+                  <a:schemeClr val="bg2"/>
+                </a:solidFill>
+              </a:rPr>
+              <a:t>OLED #4</a:t>
+            </a:r>
+            <a:endParaRPr lang="ko-KR" altLang="en-US" sz="1500" b="1" dirty="0">
+              <a:solidFill>
+                <a:schemeClr val="bg2"/>
+              </a:solidFill>
+            </a:endParaRPr>
+          </a:p>
+        </p:txBody>
+      </p:sp>
+      <p:sp>
+        <p:nvSpPr>
+          <p:cNvPr id="1133" name="TextBox 1132">
+            <a:extLst>
+              <a:ext uri="{FF2B5EF4-FFF2-40B4-BE49-F238E27FC236}">
+                <a16:creationId xmlns:a16="http://schemas.microsoft.com/office/drawing/2014/main" id="{C2DB3B63-6EEB-D854-97F0-D1B2025ED93A}"/>
+              </a:ext>
+            </a:extLst>
+          </p:cNvPr>
+          <p:cNvSpPr txBox="1"/>
+          <p:nvPr/>
+        </p:nvSpPr>
+        <p:spPr>
+          <a:xfrm>
+            <a:off x="7732950" y="717812"/>
+            <a:ext cx="778581" cy="553998"/>
+          </a:xfrm>
+          <a:prstGeom prst="rect">
+            <a:avLst/>
+          </a:prstGeom>
+          <a:noFill/>
+        </p:spPr>
+        <p:txBody>
+          <a:bodyPr wrap="square" rtlCol="0">
+            <a:spAutoFit/>
+          </a:bodyPr>
+          <a:lstStyle/>
+          <a:p>
+            <a:r>
+              <a:rPr lang="en-US" altLang="ko-KR" sz="1500" b="1" dirty="0">
+                <a:solidFill>
+                  <a:schemeClr val="bg2"/>
+                </a:solidFill>
+              </a:rPr>
+              <a:t>OLED #5</a:t>
+            </a:r>
+            <a:endParaRPr lang="ko-KR" altLang="en-US" sz="1500" b="1" dirty="0">
+              <a:solidFill>
+                <a:schemeClr val="bg2"/>
+              </a:solidFill>
+            </a:endParaRPr>
+          </a:p>
+        </p:txBody>
+      </p:sp>
+      <p:cxnSp>
+        <p:nvCxnSpPr>
+          <p:cNvPr id="1134" name="연결선: 꺾임 1133">
+            <a:extLst>
+              <a:ext uri="{FF2B5EF4-FFF2-40B4-BE49-F238E27FC236}">
+                <a16:creationId xmlns:a16="http://schemas.microsoft.com/office/drawing/2014/main" id="{02C168CC-DA4B-97AC-6BB6-691A281BA643}"/>
+              </a:ext>
+            </a:extLst>
+          </p:cNvPr>
+          <p:cNvCxnSpPr>
+            <a:cxnSpLocks/>
+            <a:stCxn id="37" idx="0"/>
+            <a:endCxn id="49" idx="0"/>
+          </p:cNvCxnSpPr>
+          <p:nvPr/>
+        </p:nvCxnSpPr>
+        <p:spPr>
+          <a:xfrm rot="10800000" flipV="1">
+            <a:off x="5681976" y="1027550"/>
+            <a:ext cx="1949851" cy="124420"/>
+          </a:xfrm>
+          <a:prstGeom prst="bentConnector2">
+            <a:avLst/>
+          </a:prstGeom>
+          <a:ln>
+            <a:solidFill>
+              <a:srgbClr val="FF0000"/>
+            </a:solidFill>
+          </a:ln>
+        </p:spPr>
+        <p:style>
+          <a:lnRef idx="2">
+            <a:schemeClr val="accent1"/>
+          </a:lnRef>
+          <a:fillRef idx="0">
+            <a:schemeClr val="accent1"/>
+          </a:fillRef>
+          <a:effectRef idx="1">
+            <a:schemeClr val="accent1"/>
+          </a:effectRef>
+          <a:fontRef idx="minor">
+            <a:schemeClr val="tx1"/>
+          </a:fontRef>
+        </p:style>
+      </p:cxnSp>
+      <p:cxnSp>
+        <p:nvCxnSpPr>
+          <p:cNvPr id="1137" name="연결선: 꺾임 1136">
+            <a:extLst>
+              <a:ext uri="{FF2B5EF4-FFF2-40B4-BE49-F238E27FC236}">
+                <a16:creationId xmlns:a16="http://schemas.microsoft.com/office/drawing/2014/main" id="{14B07A51-515D-0EB1-F12C-1B24FA38527E}"/>
+              </a:ext>
+            </a:extLst>
+          </p:cNvPr>
+          <p:cNvCxnSpPr>
+            <a:cxnSpLocks/>
+            <a:stCxn id="51" idx="0"/>
+            <a:endCxn id="48" idx="6"/>
+          </p:cNvCxnSpPr>
+          <p:nvPr/>
+        </p:nvCxnSpPr>
+        <p:spPr>
+          <a:xfrm rot="10800000" flipV="1">
+            <a:off x="5704766" y="1128440"/>
+            <a:ext cx="1927060" cy="146346"/>
+          </a:xfrm>
+          <a:prstGeom prst="bentConnector3">
+            <a:avLst>
+              <a:gd name="adj1" fmla="val 50000"/>
+            </a:avLst>
+          </a:prstGeom>
+          <a:ln>
+            <a:solidFill>
+              <a:schemeClr val="tx1"/>
+            </a:solidFill>
+          </a:ln>
+        </p:spPr>
+        <p:style>
+          <a:lnRef idx="2">
+            <a:schemeClr val="accent1"/>
+          </a:lnRef>
+          <a:fillRef idx="0">
+            <a:schemeClr val="accent1"/>
+          </a:fillRef>
+          <a:effectRef idx="1">
+            <a:schemeClr val="accent1"/>
+          </a:effectRef>
+          <a:fontRef idx="minor">
+            <a:schemeClr val="tx1"/>
+          </a:fontRef>
+        </p:style>
+      </p:cxnSp>
+      <p:cxnSp>
+        <p:nvCxnSpPr>
+          <p:cNvPr id="1144" name="연결선: 꺾임 1143">
+            <a:extLst>
+              <a:ext uri="{FF2B5EF4-FFF2-40B4-BE49-F238E27FC236}">
+                <a16:creationId xmlns:a16="http://schemas.microsoft.com/office/drawing/2014/main" id="{63C870FB-7A63-9FE5-B469-BA3B2AFEF868}"/>
+              </a:ext>
+            </a:extLst>
+          </p:cNvPr>
+          <p:cNvCxnSpPr>
+            <a:cxnSpLocks/>
+            <a:endCxn id="49" idx="2"/>
+          </p:cNvCxnSpPr>
+          <p:nvPr/>
+        </p:nvCxnSpPr>
+        <p:spPr>
+          <a:xfrm flipV="1">
+            <a:off x="1834145" y="1176410"/>
+            <a:ext cx="3821864" cy="3164042"/>
+          </a:xfrm>
+          <a:prstGeom prst="bentConnector3">
+            <a:avLst>
+              <a:gd name="adj1" fmla="val 50000"/>
+            </a:avLst>
+          </a:prstGeom>
+          <a:ln>
+            <a:solidFill>
+              <a:srgbClr val="FF0000"/>
+            </a:solidFill>
+          </a:ln>
+        </p:spPr>
+        <p:style>
+          <a:lnRef idx="2">
+            <a:schemeClr val="accent1"/>
+          </a:lnRef>
+          <a:fillRef idx="0">
+            <a:schemeClr val="accent1"/>
+          </a:fillRef>
+          <a:effectRef idx="1">
+            <a:schemeClr val="accent1"/>
+          </a:effectRef>
+          <a:fontRef idx="minor">
+            <a:schemeClr val="tx1"/>
+          </a:fontRef>
+        </p:style>
+      </p:cxnSp>
+      <p:cxnSp>
+        <p:nvCxnSpPr>
+          <p:cNvPr id="1147" name="연결선: 꺾임 1146">
+            <a:extLst>
+              <a:ext uri="{FF2B5EF4-FFF2-40B4-BE49-F238E27FC236}">
+                <a16:creationId xmlns:a16="http://schemas.microsoft.com/office/drawing/2014/main" id="{CFB0692A-0805-696D-B179-B447228C0F97}"/>
+              </a:ext>
+            </a:extLst>
+          </p:cNvPr>
+          <p:cNvCxnSpPr>
+            <a:cxnSpLocks/>
+            <a:stCxn id="29" idx="6"/>
+            <a:endCxn id="48" idx="2"/>
+          </p:cNvCxnSpPr>
+          <p:nvPr/>
+        </p:nvCxnSpPr>
+        <p:spPr>
+          <a:xfrm flipV="1">
+            <a:off x="1834146" y="1274786"/>
+            <a:ext cx="3818688" cy="3121713"/>
+          </a:xfrm>
+          <a:prstGeom prst="bentConnector3">
+            <a:avLst>
+              <a:gd name="adj1" fmla="val 52245"/>
+            </a:avLst>
+          </a:prstGeom>
+          <a:ln>
+            <a:solidFill>
+              <a:schemeClr val="tx1"/>
+            </a:solidFill>
+          </a:ln>
+        </p:spPr>
+        <p:style>
+          <a:lnRef idx="2">
+            <a:schemeClr val="accent1"/>
+          </a:lnRef>
+          <a:fillRef idx="0">
+            <a:schemeClr val="accent1"/>
+          </a:fillRef>
+          <a:effectRef idx="1">
+            <a:schemeClr val="accent1"/>
+          </a:effectRef>
+          <a:fontRef idx="minor">
+            <a:schemeClr val="tx1"/>
+          </a:fontRef>
+        </p:style>
+      </p:cxnSp>
+      <p:cxnSp>
+        <p:nvCxnSpPr>
+          <p:cNvPr id="1151" name="연결선: 꺾임 1150">
+            <a:extLst>
+              <a:ext uri="{FF2B5EF4-FFF2-40B4-BE49-F238E27FC236}">
+                <a16:creationId xmlns:a16="http://schemas.microsoft.com/office/drawing/2014/main" id="{6260ED7F-BF7F-44F2-8621-6935BB3CC265}"/>
+              </a:ext>
+            </a:extLst>
+          </p:cNvPr>
+          <p:cNvCxnSpPr>
+            <a:cxnSpLocks/>
+            <a:stCxn id="30" idx="6"/>
+            <a:endCxn id="1141" idx="2"/>
+          </p:cNvCxnSpPr>
+          <p:nvPr/>
+        </p:nvCxnSpPr>
+        <p:spPr>
+          <a:xfrm flipV="1">
+            <a:off x="1834987" y="1371833"/>
+            <a:ext cx="3816439" cy="2919726"/>
+          </a:xfrm>
+          <a:prstGeom prst="bentConnector3">
+            <a:avLst>
+              <a:gd name="adj1" fmla="val 55324"/>
+            </a:avLst>
+          </a:prstGeom>
+          <a:ln>
+            <a:solidFill>
+              <a:srgbClr val="00B050"/>
+            </a:solidFill>
+          </a:ln>
+        </p:spPr>
+        <p:style>
+          <a:lnRef idx="2">
+            <a:schemeClr val="accent1"/>
+          </a:lnRef>
+          <a:fillRef idx="0">
+            <a:schemeClr val="accent1"/>
+          </a:fillRef>
+          <a:effectRef idx="1">
+            <a:schemeClr val="accent1"/>
+          </a:effectRef>
+          <a:fontRef idx="minor">
+            <a:schemeClr val="tx1"/>
+          </a:fontRef>
+        </p:style>
+      </p:cxnSp>
+      <p:cxnSp>
+        <p:nvCxnSpPr>
+          <p:cNvPr id="1155" name="연결선: 꺾임 1154">
+            <a:extLst>
+              <a:ext uri="{FF2B5EF4-FFF2-40B4-BE49-F238E27FC236}">
+                <a16:creationId xmlns:a16="http://schemas.microsoft.com/office/drawing/2014/main" id="{43522789-FCF4-6518-C562-0EEDBAE1BA7E}"/>
+              </a:ext>
+            </a:extLst>
+          </p:cNvPr>
+          <p:cNvCxnSpPr>
+            <a:cxnSpLocks/>
+            <a:stCxn id="31" idx="6"/>
+            <a:endCxn id="1142" idx="2"/>
+          </p:cNvCxnSpPr>
+          <p:nvPr/>
+        </p:nvCxnSpPr>
+        <p:spPr>
+          <a:xfrm flipV="1">
+            <a:off x="1834145" y="1479637"/>
+            <a:ext cx="3818689" cy="2752701"/>
+          </a:xfrm>
+          <a:prstGeom prst="bentConnector3">
+            <a:avLst>
+              <a:gd name="adj1" fmla="val 58730"/>
+            </a:avLst>
+          </a:prstGeom>
+          <a:ln>
+            <a:solidFill>
+              <a:srgbClr val="FFC000"/>
+            </a:solidFill>
+          </a:ln>
+        </p:spPr>
+        <p:style>
+          <a:lnRef idx="2">
+            <a:schemeClr val="accent1"/>
+          </a:lnRef>
+          <a:fillRef idx="0">
+            <a:schemeClr val="accent1"/>
+          </a:fillRef>
+          <a:effectRef idx="1">
+            <a:schemeClr val="accent1"/>
+          </a:effectRef>
+          <a:fontRef idx="minor">
+            <a:schemeClr val="tx1"/>
+          </a:fontRef>
+        </p:style>
+      </p:cxnSp>
+    </p:spTree>
+    <p:extLst>
+      <p:ext uri="{BB962C8B-B14F-4D97-AF65-F5344CB8AC3E}">
+        <p14:creationId xmlns:p14="http://schemas.microsoft.com/office/powerpoint/2010/main" val="2232643270"/>
+      </p:ext>
+    </p:extLst>
+  </p:cSld>
+  <p:clrMapOvr>
+    <a:masterClrMapping/>
+  </p:clrMapOvr>
+</p:sld>
+</file>
+
 <file path=ppt/theme/theme1.xml><?xml version="1.0" encoding="utf-8"?>
 <a:theme xmlns:a="http://schemas.openxmlformats.org/drawingml/2006/main" name="Office 테마">
   <a:themeElements>
